--- a/spring13/slides13/stirling.pptx
+++ b/spring13/slides13/stirling.pptx
@@ -5,10 +5,10 @@
     <p:sldMasterId id="2147483648" r:id="rId1"/>
   </p:sldMasterIdLst>
   <p:notesMasterIdLst>
-    <p:notesMasterId r:id="rId8"/>
+    <p:notesMasterId r:id="rId13"/>
   </p:notesMasterIdLst>
   <p:handoutMasterIdLst>
-    <p:handoutMasterId r:id="rId9"/>
+    <p:handoutMasterId r:id="rId14"/>
   </p:handoutMasterIdLst>
   <p:sldIdLst>
     <p:sldId id="371" r:id="rId2"/>
@@ -16,12 +16,17 @@
     <p:sldId id="414" r:id="rId4"/>
     <p:sldId id="415" r:id="rId5"/>
     <p:sldId id="416" r:id="rId6"/>
-    <p:sldId id="417" r:id="rId7"/>
+    <p:sldId id="420" r:id="rId7"/>
+    <p:sldId id="421" r:id="rId8"/>
+    <p:sldId id="423" r:id="rId9"/>
+    <p:sldId id="422" r:id="rId10"/>
+    <p:sldId id="419" r:id="rId11"/>
+    <p:sldId id="417" r:id="rId12"/>
   </p:sldIdLst>
   <p:sldSz cx="9144000" cy="6858000" type="screen4x3"/>
   <p:notesSz cx="9601200" cy="7315200"/>
   <p:custDataLst>
-    <p:tags r:id="rId11"/>
+    <p:tags r:id="rId16"/>
   </p:custDataLst>
   <p:defaultTextStyle>
     <a:defPPr>
@@ -915,6 +920,182 @@
 </p:notes>
 </file>
 
+<file path=ppt/notesSlides/notesSlide10.xml><?xml version="1.0" encoding="utf-8"?>
+<p:notes xmlns:a="http://schemas.openxmlformats.org/drawingml/2006/main" xmlns:r="http://schemas.openxmlformats.org/officeDocument/2006/relationships" xmlns:p="http://schemas.openxmlformats.org/presentationml/2006/main">
+  <p:cSld>
+    <p:spTree>
+      <p:nvGrpSpPr>
+        <p:cNvPr id="1" name=""/>
+        <p:cNvGrpSpPr/>
+        <p:nvPr/>
+      </p:nvGrpSpPr>
+      <p:grpSpPr>
+        <a:xfrm>
+          <a:off x="0" y="0"/>
+          <a:ext cx="0" cy="0"/>
+          <a:chOff x="0" y="0"/>
+          <a:chExt cx="0" cy="0"/>
+        </a:xfrm>
+      </p:grpSpPr>
+      <p:sp>
+        <p:nvSpPr>
+          <p:cNvPr id="144386" name="Rectangle 7"/>
+          <p:cNvSpPr>
+            <a:spLocks noGrp="1" noChangeArrowheads="1"/>
+          </p:cNvSpPr>
+          <p:nvPr>
+            <p:ph type="sldNum" sz="quarter" idx="5"/>
+          </p:nvPr>
+        </p:nvSpPr>
+        <p:spPr>
+          <a:noFill/>
+        </p:spPr>
+        <p:txBody>
+          <a:bodyPr/>
+          <a:lstStyle/>
+          <a:p>
+            <a:fld id="{65EAEA66-8F26-4DBA-84DE-398CACAEA82D}" type="slidenum">
+              <a:rPr lang="en-US" smtClean="0"/>
+              <a:pPr/>
+              <a:t>10</a:t>
+            </a:fld>
+            <a:endParaRPr lang="en-US" smtClean="0"/>
+          </a:p>
+        </p:txBody>
+      </p:sp>
+      <p:sp>
+        <p:nvSpPr>
+          <p:cNvPr id="144387" name="Rectangle 2"/>
+          <p:cNvSpPr>
+            <a:spLocks noGrp="1" noRot="1" noChangeAspect="1" noChangeArrowheads="1" noTextEdit="1"/>
+          </p:cNvSpPr>
+          <p:nvPr>
+            <p:ph type="sldImg"/>
+          </p:nvPr>
+        </p:nvSpPr>
+        <p:spPr>
+          <a:ln/>
+        </p:spPr>
+      </p:sp>
+      <p:sp>
+        <p:nvSpPr>
+          <p:cNvPr id="144388" name="Rectangle 3"/>
+          <p:cNvSpPr>
+            <a:spLocks noGrp="1" noChangeArrowheads="1"/>
+          </p:cNvSpPr>
+          <p:nvPr>
+            <p:ph type="body" idx="1"/>
+          </p:nvPr>
+        </p:nvSpPr>
+        <p:spPr>
+          <a:noFill/>
+          <a:ln/>
+        </p:spPr>
+        <p:txBody>
+          <a:bodyPr/>
+          <a:lstStyle/>
+          <a:p>
+            <a:pPr eaLnBrk="1" hangingPunct="1"/>
+            <a:endParaRPr lang="en-US" smtClean="0"/>
+          </a:p>
+        </p:txBody>
+      </p:sp>
+    </p:spTree>
+  </p:cSld>
+  <p:clrMapOvr>
+    <a:masterClrMapping/>
+  </p:clrMapOvr>
+</p:notes>
+</file>
+
+<file path=ppt/notesSlides/notesSlide11.xml><?xml version="1.0" encoding="utf-8"?>
+<p:notes xmlns:a="http://schemas.openxmlformats.org/drawingml/2006/main" xmlns:r="http://schemas.openxmlformats.org/officeDocument/2006/relationships" xmlns:p="http://schemas.openxmlformats.org/presentationml/2006/main">
+  <p:cSld>
+    <p:spTree>
+      <p:nvGrpSpPr>
+        <p:cNvPr id="1" name=""/>
+        <p:cNvGrpSpPr/>
+        <p:nvPr/>
+      </p:nvGrpSpPr>
+      <p:grpSpPr>
+        <a:xfrm>
+          <a:off x="0" y="0"/>
+          <a:ext cx="0" cy="0"/>
+          <a:chOff x="0" y="0"/>
+          <a:chExt cx="0" cy="0"/>
+        </a:xfrm>
+      </p:grpSpPr>
+      <p:sp>
+        <p:nvSpPr>
+          <p:cNvPr id="145410" name="Rectangle 7"/>
+          <p:cNvSpPr>
+            <a:spLocks noGrp="1" noChangeArrowheads="1"/>
+          </p:cNvSpPr>
+          <p:nvPr>
+            <p:ph type="sldNum" sz="quarter" idx="5"/>
+          </p:nvPr>
+        </p:nvSpPr>
+        <p:spPr>
+          <a:noFill/>
+        </p:spPr>
+        <p:txBody>
+          <a:bodyPr/>
+          <a:lstStyle/>
+          <a:p>
+            <a:fld id="{3E82F9BA-F747-4BBA-B6FE-8CC2E957E0DE}" type="slidenum">
+              <a:rPr lang="en-US" smtClean="0"/>
+              <a:pPr/>
+              <a:t>11</a:t>
+            </a:fld>
+            <a:endParaRPr lang="en-US" smtClean="0"/>
+          </a:p>
+        </p:txBody>
+      </p:sp>
+      <p:sp>
+        <p:nvSpPr>
+          <p:cNvPr id="145411" name="Rectangle 2"/>
+          <p:cNvSpPr>
+            <a:spLocks noGrp="1" noRot="1" noChangeAspect="1" noChangeArrowheads="1" noTextEdit="1"/>
+          </p:cNvSpPr>
+          <p:nvPr>
+            <p:ph type="sldImg"/>
+          </p:nvPr>
+        </p:nvSpPr>
+        <p:spPr>
+          <a:ln/>
+        </p:spPr>
+      </p:sp>
+      <p:sp>
+        <p:nvSpPr>
+          <p:cNvPr id="145412" name="Rectangle 3"/>
+          <p:cNvSpPr>
+            <a:spLocks noGrp="1" noChangeArrowheads="1"/>
+          </p:cNvSpPr>
+          <p:nvPr>
+            <p:ph type="body" idx="1"/>
+          </p:nvPr>
+        </p:nvSpPr>
+        <p:spPr>
+          <a:noFill/>
+          <a:ln/>
+        </p:spPr>
+        <p:txBody>
+          <a:bodyPr/>
+          <a:lstStyle/>
+          <a:p>
+            <a:pPr eaLnBrk="1" hangingPunct="1"/>
+            <a:endParaRPr lang="en-US" smtClean="0"/>
+          </a:p>
+        </p:txBody>
+      </p:sp>
+    </p:spTree>
+  </p:cSld>
+  <p:clrMapOvr>
+    <a:masterClrMapping/>
+  </p:clrMapOvr>
+</p:notes>
+</file>
+
 <file path=ppt/notesSlides/notesSlide2.xml><?xml version="1.0" encoding="utf-8"?>
 <p:notes xmlns:a="http://schemas.openxmlformats.org/drawingml/2006/main" xmlns:r="http://schemas.openxmlformats.org/officeDocument/2006/relationships" xmlns:p="http://schemas.openxmlformats.org/presentationml/2006/main">
   <p:cSld>
@@ -1286,7 +1467,97 @@
       </p:grpSpPr>
       <p:sp>
         <p:nvSpPr>
-          <p:cNvPr id="145410" name="Rectangle 7"/>
+          <p:cNvPr id="2" name="Slide Image Placeholder 1"/>
+          <p:cNvSpPr>
+            <a:spLocks noGrp="1" noRot="1" noChangeAspect="1"/>
+          </p:cNvSpPr>
+          <p:nvPr>
+            <p:ph type="sldImg"/>
+          </p:nvPr>
+        </p:nvSpPr>
+        <p:spPr/>
+      </p:sp>
+      <p:sp>
+        <p:nvSpPr>
+          <p:cNvPr id="3" name="Notes Placeholder 2"/>
+          <p:cNvSpPr>
+            <a:spLocks noGrp="1"/>
+          </p:cNvSpPr>
+          <p:nvPr>
+            <p:ph type="body" idx="1"/>
+          </p:nvPr>
+        </p:nvSpPr>
+        <p:spPr/>
+        <p:txBody>
+          <a:bodyPr/>
+          <a:lstStyle/>
+          <a:p>
+            <a:endParaRPr lang="en-US"/>
+          </a:p>
+        </p:txBody>
+      </p:sp>
+      <p:sp>
+        <p:nvSpPr>
+          <p:cNvPr id="4" name="Slide Number Placeholder 3"/>
+          <p:cNvSpPr>
+            <a:spLocks noGrp="1"/>
+          </p:cNvSpPr>
+          <p:nvPr>
+            <p:ph type="sldNum" sz="quarter" idx="10"/>
+          </p:nvPr>
+        </p:nvSpPr>
+        <p:spPr/>
+        <p:txBody>
+          <a:bodyPr/>
+          <a:lstStyle/>
+          <a:p>
+            <a:pPr>
+              <a:defRPr/>
+            </a:pPr>
+            <a:fld id="{A861E01B-B7A2-4F15-B2C8-5F733AB038D0}" type="slidenum">
+              <a:rPr lang="en-US" smtClean="0"/>
+              <a:pPr>
+                <a:defRPr/>
+              </a:pPr>
+              <a:t>6</a:t>
+            </a:fld>
+            <a:endParaRPr lang="en-US"/>
+          </a:p>
+        </p:txBody>
+      </p:sp>
+    </p:spTree>
+    <p:extLst>
+      <p:ext uri="{BB962C8B-B14F-4D97-AF65-F5344CB8AC3E}">
+        <p14:creationId xmlns:p14="http://schemas.microsoft.com/office/powerpoint/2010/main" val="2408103339"/>
+      </p:ext>
+    </p:extLst>
+  </p:cSld>
+  <p:clrMapOvr>
+    <a:masterClrMapping/>
+  </p:clrMapOvr>
+</p:notes>
+</file>
+
+<file path=ppt/notesSlides/notesSlide7.xml><?xml version="1.0" encoding="utf-8"?>
+<p:notes xmlns:a="http://schemas.openxmlformats.org/drawingml/2006/main" xmlns:r="http://schemas.openxmlformats.org/officeDocument/2006/relationships" xmlns:p="http://schemas.openxmlformats.org/presentationml/2006/main">
+  <p:cSld>
+    <p:spTree>
+      <p:nvGrpSpPr>
+        <p:cNvPr id="1" name=""/>
+        <p:cNvGrpSpPr/>
+        <p:nvPr/>
+      </p:nvGrpSpPr>
+      <p:grpSpPr>
+        <a:xfrm>
+          <a:off x="0" y="0"/>
+          <a:ext cx="0" cy="0"/>
+          <a:chOff x="0" y="0"/>
+          <a:chExt cx="0" cy="0"/>
+        </a:xfrm>
+      </p:grpSpPr>
+      <p:sp>
+        <p:nvSpPr>
+          <p:cNvPr id="143362" name="Rectangle 7"/>
           <p:cNvSpPr>
             <a:spLocks noGrp="1" noChangeArrowheads="1"/>
           </p:cNvSpPr>
@@ -1301,10 +1572,10 @@
           <a:bodyPr/>
           <a:lstStyle/>
           <a:p>
-            <a:fld id="{3E82F9BA-F747-4BBA-B6FE-8CC2E957E0DE}" type="slidenum">
+            <a:fld id="{2082D2CA-1C49-446E-AD55-3F7BE8C3AE80}" type="slidenum">
               <a:rPr lang="en-US" smtClean="0"/>
               <a:pPr/>
-              <a:t>6</a:t>
+              <a:t>7</a:t>
             </a:fld>
             <a:endParaRPr lang="en-US" smtClean="0"/>
           </a:p>
@@ -1312,7 +1583,7 @@
       </p:sp>
       <p:sp>
         <p:nvSpPr>
-          <p:cNvPr id="145411" name="Rectangle 2"/>
+          <p:cNvPr id="143363" name="Rectangle 2"/>
           <p:cNvSpPr>
             <a:spLocks noGrp="1" noRot="1" noChangeAspect="1" noChangeArrowheads="1" noTextEdit="1"/>
           </p:cNvSpPr>
@@ -1326,7 +1597,183 @@
       </p:sp>
       <p:sp>
         <p:nvSpPr>
-          <p:cNvPr id="145412" name="Rectangle 3"/>
+          <p:cNvPr id="143364" name="Rectangle 3"/>
+          <p:cNvSpPr>
+            <a:spLocks noGrp="1" noChangeArrowheads="1"/>
+          </p:cNvSpPr>
+          <p:nvPr>
+            <p:ph type="body" idx="1"/>
+          </p:nvPr>
+        </p:nvSpPr>
+        <p:spPr>
+          <a:noFill/>
+          <a:ln/>
+        </p:spPr>
+        <p:txBody>
+          <a:bodyPr/>
+          <a:lstStyle/>
+          <a:p>
+            <a:pPr eaLnBrk="1" hangingPunct="1"/>
+            <a:endParaRPr lang="en-US" smtClean="0"/>
+          </a:p>
+        </p:txBody>
+      </p:sp>
+    </p:spTree>
+  </p:cSld>
+  <p:clrMapOvr>
+    <a:masterClrMapping/>
+  </p:clrMapOvr>
+</p:notes>
+</file>
+
+<file path=ppt/notesSlides/notesSlide8.xml><?xml version="1.0" encoding="utf-8"?>
+<p:notes xmlns:a="http://schemas.openxmlformats.org/drawingml/2006/main" xmlns:r="http://schemas.openxmlformats.org/officeDocument/2006/relationships" xmlns:p="http://schemas.openxmlformats.org/presentationml/2006/main">
+  <p:cSld>
+    <p:spTree>
+      <p:nvGrpSpPr>
+        <p:cNvPr id="1" name=""/>
+        <p:cNvGrpSpPr/>
+        <p:nvPr/>
+      </p:nvGrpSpPr>
+      <p:grpSpPr>
+        <a:xfrm>
+          <a:off x="0" y="0"/>
+          <a:ext cx="0" cy="0"/>
+          <a:chOff x="0" y="0"/>
+          <a:chExt cx="0" cy="0"/>
+        </a:xfrm>
+      </p:grpSpPr>
+      <p:sp>
+        <p:nvSpPr>
+          <p:cNvPr id="143362" name="Rectangle 7"/>
+          <p:cNvSpPr>
+            <a:spLocks noGrp="1" noChangeArrowheads="1"/>
+          </p:cNvSpPr>
+          <p:nvPr>
+            <p:ph type="sldNum" sz="quarter" idx="5"/>
+          </p:nvPr>
+        </p:nvSpPr>
+        <p:spPr>
+          <a:noFill/>
+        </p:spPr>
+        <p:txBody>
+          <a:bodyPr/>
+          <a:lstStyle/>
+          <a:p>
+            <a:fld id="{2082D2CA-1C49-446E-AD55-3F7BE8C3AE80}" type="slidenum">
+              <a:rPr lang="en-US" smtClean="0"/>
+              <a:pPr/>
+              <a:t>8</a:t>
+            </a:fld>
+            <a:endParaRPr lang="en-US" smtClean="0"/>
+          </a:p>
+        </p:txBody>
+      </p:sp>
+      <p:sp>
+        <p:nvSpPr>
+          <p:cNvPr id="143363" name="Rectangle 2"/>
+          <p:cNvSpPr>
+            <a:spLocks noGrp="1" noRot="1" noChangeAspect="1" noChangeArrowheads="1" noTextEdit="1"/>
+          </p:cNvSpPr>
+          <p:nvPr>
+            <p:ph type="sldImg"/>
+          </p:nvPr>
+        </p:nvSpPr>
+        <p:spPr>
+          <a:ln/>
+        </p:spPr>
+      </p:sp>
+      <p:sp>
+        <p:nvSpPr>
+          <p:cNvPr id="143364" name="Rectangle 3"/>
+          <p:cNvSpPr>
+            <a:spLocks noGrp="1" noChangeArrowheads="1"/>
+          </p:cNvSpPr>
+          <p:nvPr>
+            <p:ph type="body" idx="1"/>
+          </p:nvPr>
+        </p:nvSpPr>
+        <p:spPr>
+          <a:noFill/>
+          <a:ln/>
+        </p:spPr>
+        <p:txBody>
+          <a:bodyPr/>
+          <a:lstStyle/>
+          <a:p>
+            <a:pPr eaLnBrk="1" hangingPunct="1"/>
+            <a:endParaRPr lang="en-US" smtClean="0"/>
+          </a:p>
+        </p:txBody>
+      </p:sp>
+    </p:spTree>
+  </p:cSld>
+  <p:clrMapOvr>
+    <a:masterClrMapping/>
+  </p:clrMapOvr>
+</p:notes>
+</file>
+
+<file path=ppt/notesSlides/notesSlide9.xml><?xml version="1.0" encoding="utf-8"?>
+<p:notes xmlns:a="http://schemas.openxmlformats.org/drawingml/2006/main" xmlns:r="http://schemas.openxmlformats.org/officeDocument/2006/relationships" xmlns:p="http://schemas.openxmlformats.org/presentationml/2006/main">
+  <p:cSld>
+    <p:spTree>
+      <p:nvGrpSpPr>
+        <p:cNvPr id="1" name=""/>
+        <p:cNvGrpSpPr/>
+        <p:nvPr/>
+      </p:nvGrpSpPr>
+      <p:grpSpPr>
+        <a:xfrm>
+          <a:off x="0" y="0"/>
+          <a:ext cx="0" cy="0"/>
+          <a:chOff x="0" y="0"/>
+          <a:chExt cx="0" cy="0"/>
+        </a:xfrm>
+      </p:grpSpPr>
+      <p:sp>
+        <p:nvSpPr>
+          <p:cNvPr id="143362" name="Rectangle 7"/>
+          <p:cNvSpPr>
+            <a:spLocks noGrp="1" noChangeArrowheads="1"/>
+          </p:cNvSpPr>
+          <p:nvPr>
+            <p:ph type="sldNum" sz="quarter" idx="5"/>
+          </p:nvPr>
+        </p:nvSpPr>
+        <p:spPr>
+          <a:noFill/>
+        </p:spPr>
+        <p:txBody>
+          <a:bodyPr/>
+          <a:lstStyle/>
+          <a:p>
+            <a:fld id="{2082D2CA-1C49-446E-AD55-3F7BE8C3AE80}" type="slidenum">
+              <a:rPr lang="en-US" smtClean="0"/>
+              <a:pPr/>
+              <a:t>9</a:t>
+            </a:fld>
+            <a:endParaRPr lang="en-US" smtClean="0"/>
+          </a:p>
+        </p:txBody>
+      </p:sp>
+      <p:sp>
+        <p:nvSpPr>
+          <p:cNvPr id="143363" name="Rectangle 2"/>
+          <p:cNvSpPr>
+            <a:spLocks noGrp="1" noRot="1" noChangeAspect="1" noChangeArrowheads="1" noTextEdit="1"/>
+          </p:cNvSpPr>
+          <p:nvPr>
+            <p:ph type="sldImg"/>
+          </p:nvPr>
+        </p:nvSpPr>
+        <p:spPr>
+          <a:ln/>
+        </p:spPr>
+      </p:sp>
+      <p:sp>
+        <p:nvSpPr>
+          <p:cNvPr id="143364" name="Rectangle 3"/>
           <p:cNvSpPr>
             <a:spLocks noGrp="1" noChangeArrowheads="1"/>
           </p:cNvSpPr>
@@ -2545,22 +2992,7 @@
                 <a:uFillTx/>
                 <a:latin typeface="Comic Sans MS" pitchFamily="66" charset="0"/>
               </a:rPr>
-              <a:t>Albert R Meyer,             April </a:t>
-            </a:r>
-            <a:r>
-              <a:rPr kumimoji="0" lang="en-US" sz="1200" b="0" i="0" u="none" strike="noStrike" kern="1200" cap="none" spc="0" normalizeH="0" baseline="0" noProof="0" dirty="0" smtClean="0">
-                <a:ln>
-                  <a:noFill/>
-                </a:ln>
-                <a:solidFill>
-                  <a:schemeClr val="tx1"/>
-                </a:solidFill>
-                <a:effectLst/>
-                <a:uLnTx/>
-                <a:uFillTx/>
-                <a:latin typeface="Comic Sans MS" pitchFamily="66" charset="0"/>
-              </a:rPr>
-              <a:t>10, 2013</a:t>
+              <a:t>Albert R Meyer,             April 10, 2013</a:t>
             </a:r>
             <a:endParaRPr kumimoji="0" lang="en-US" sz="1200" b="0" i="0" u="none" strike="noStrike" kern="1200" cap="none" spc="0" normalizeH="0" baseline="0" noProof="0" dirty="0">
               <a:ln>
@@ -3151,12 +3583,12 @@
   <p:clrMapOvr>
     <a:masterClrMapping/>
   </p:clrMapOvr>
-  <mc:AlternateContent xmlns:mc="http://schemas.openxmlformats.org/markup-compatibility/2006" xmlns:p14="http://schemas.microsoft.com/office/powerpoint/2010/main">
-    <mc:Choice Requires="p14">
-      <p:transition spd="slow" p14:dur="2000" advTm="20779"/>
+  <mc:AlternateContent xmlns:mc="http://schemas.openxmlformats.org/markup-compatibility/2006">
+    <mc:Choice xmlns:p14="http://schemas.microsoft.com/office/powerpoint/2010/main" Requires="p14">
+      <p:transition spd="slow" p14:dur="2000" advClick="0"/>
     </mc:Choice>
-    <mc:Fallback xmlns="">
-      <p:transition xmlns:p14="http://schemas.microsoft.com/office/powerpoint/2010/main" spd="slow" advTm="20779"/>
+    <mc:Fallback>
+      <p:transition xmlns:p14="http://schemas.microsoft.com/office/powerpoint/2010/main" spd="slow" advClick="0"/>
     </mc:Fallback>
   </mc:AlternateContent>
   <p:timing>
@@ -3165,6 +3597,934 @@
         <p:cTn xmlns:p14="http://schemas.microsoft.com/office/powerpoint/2010/main" id="1" dur="indefinite" restart="never" nodeType="tmRoot"/>
       </p:par>
     </p:tnLst>
+  </p:timing>
+</p:sld>
+</file>
+
+<file path=ppt/slides/slide10.xml><?xml version="1.0" encoding="utf-8"?>
+<p:sld xmlns:a="http://schemas.openxmlformats.org/drawingml/2006/main" xmlns:r="http://schemas.openxmlformats.org/officeDocument/2006/relationships" xmlns:p="http://schemas.openxmlformats.org/presentationml/2006/main">
+  <p:cSld>
+    <p:spTree>
+      <p:nvGrpSpPr>
+        <p:cNvPr id="1" name=""/>
+        <p:cNvGrpSpPr/>
+        <p:nvPr/>
+      </p:nvGrpSpPr>
+      <p:grpSpPr>
+        <a:xfrm>
+          <a:off x="0" y="0"/>
+          <a:ext cx="0" cy="0"/>
+          <a:chOff x="0" y="0"/>
+          <a:chExt cx="0" cy="0"/>
+        </a:xfrm>
+      </p:grpSpPr>
+      <p:graphicFrame>
+        <p:nvGraphicFramePr>
+          <p:cNvPr id="22530" name="Object 2"/>
+          <p:cNvGraphicFramePr>
+            <a:graphicFrameLocks noGrp="1" noChangeAspect="1"/>
+          </p:cNvGraphicFramePr>
+          <p:nvPr>
+            <p:ph sz="half" idx="4294967295"/>
+            <p:extLst>
+              <p:ext uri="{D42A27DB-BD31-4B8C-83A1-F6EECF244321}">
+                <p14:modId xmlns:p14="http://schemas.microsoft.com/office/powerpoint/2010/main" val="1960986561"/>
+              </p:ext>
+            </p:extLst>
+          </p:nvPr>
+        </p:nvGraphicFramePr>
+        <p:xfrm>
+          <a:off x="1152525" y="1120775"/>
+          <a:ext cx="6848475" cy="1797050"/>
+        </p:xfrm>
+        <a:graphic>
+          <a:graphicData uri="http://schemas.openxmlformats.org/presentationml/2006/ole">
+            <mc:AlternateContent xmlns:mc="http://schemas.openxmlformats.org/markup-compatibility/2006">
+              <mc:Choice xmlns:v="urn:schemas-microsoft-com:vml" Requires="v">
+                <p:oleObj spid="_x0000_s154639" name="Equation" r:id="rId4" imgW="1790700" imgH="469900" progId="Equation.DSMT4">
+                  <p:embed/>
+                </p:oleObj>
+              </mc:Choice>
+              <mc:Fallback>
+                <p:oleObj name="Equation" r:id="rId4" imgW="1790700" imgH="469900" progId="Equation.DSMT4">
+                  <p:embed/>
+                  <p:pic>
+                    <p:nvPicPr>
+                      <p:cNvPr id="0" name=""/>
+                      <p:cNvPicPr>
+                        <a:picLocks noChangeAspect="1" noChangeArrowheads="1"/>
+                      </p:cNvPicPr>
+                      <p:nvPr/>
+                    </p:nvPicPr>
+                    <p:blipFill>
+                      <a:blip r:embed="rId5"/>
+                      <a:srcRect/>
+                      <a:stretch>
+                        <a:fillRect/>
+                      </a:stretch>
+                    </p:blipFill>
+                    <p:spPr bwMode="auto">
+                      <a:xfrm>
+                        <a:off x="1152525" y="1120775"/>
+                        <a:ext cx="6848475" cy="1797050"/>
+                      </a:xfrm>
+                      <a:prstGeom prst="rect">
+                        <a:avLst/>
+                      </a:prstGeom>
+                      <a:noFill/>
+                      <a:extLst>
+                        <a:ext uri="{909E8E84-426E-40dd-AFC4-6F175D3DCCD1}">
+                          <a14:hiddenFill xmlns:a14="http://schemas.microsoft.com/office/drawing/2010/main">
+                            <a:solidFill>
+                              <a:srgbClr val="FFFFFF"/>
+                            </a:solidFill>
+                          </a14:hiddenFill>
+                        </a:ext>
+                      </a:extLst>
+                    </p:spPr>
+                  </p:pic>
+                </p:oleObj>
+              </mc:Fallback>
+            </mc:AlternateContent>
+          </a:graphicData>
+        </a:graphic>
+      </p:graphicFrame>
+      <p:graphicFrame>
+        <p:nvGraphicFramePr>
+          <p:cNvPr id="171013" name="Object 5"/>
+          <p:cNvGraphicFramePr>
+            <a:graphicFrameLocks noGrp="1" noChangeAspect="1"/>
+          </p:cNvGraphicFramePr>
+          <p:nvPr>
+            <p:ph sz="half" idx="4294967295"/>
+            <p:extLst>
+              <p:ext uri="{D42A27DB-BD31-4B8C-83A1-F6EECF244321}">
+                <p14:modId xmlns:p14="http://schemas.microsoft.com/office/powerpoint/2010/main" val="3784312513"/>
+              </p:ext>
+            </p:extLst>
+          </p:nvPr>
+        </p:nvGraphicFramePr>
+        <p:xfrm>
+          <a:off x="2754313" y="3886200"/>
+          <a:ext cx="3635375" cy="2203450"/>
+        </p:xfrm>
+        <a:graphic>
+          <a:graphicData uri="http://schemas.openxmlformats.org/presentationml/2006/ole">
+            <mc:AlternateContent xmlns:mc="http://schemas.openxmlformats.org/markup-compatibility/2006">
+              <mc:Choice xmlns:v="urn:schemas-microsoft-com:vml" Requires="v">
+                <p:oleObj spid="_x0000_s154640" name="Equation" r:id="rId6" imgW="838200" imgH="508000" progId="Equation.DSMT4">
+                  <p:embed/>
+                </p:oleObj>
+              </mc:Choice>
+              <mc:Fallback>
+                <p:oleObj name="Equation" r:id="rId6" imgW="838200" imgH="508000" progId="Equation.DSMT4">
+                  <p:embed/>
+                  <p:pic>
+                    <p:nvPicPr>
+                      <p:cNvPr id="0" name=""/>
+                      <p:cNvPicPr>
+                        <a:picLocks noChangeAspect="1" noChangeArrowheads="1"/>
+                      </p:cNvPicPr>
+                      <p:nvPr/>
+                    </p:nvPicPr>
+                    <p:blipFill>
+                      <a:blip r:embed="rId7"/>
+                      <a:srcRect/>
+                      <a:stretch>
+                        <a:fillRect/>
+                      </a:stretch>
+                    </p:blipFill>
+                    <p:spPr bwMode="auto">
+                      <a:xfrm>
+                        <a:off x="2754313" y="3886200"/>
+                        <a:ext cx="3635375" cy="2203450"/>
+                      </a:xfrm>
+                      <a:prstGeom prst="rect">
+                        <a:avLst/>
+                      </a:prstGeom>
+                      <a:noFill/>
+                      <a:extLst>
+                        <a:ext uri="{909E8E84-426E-40dd-AFC4-6F175D3DCCD1}">
+                          <a14:hiddenFill xmlns:a14="http://schemas.microsoft.com/office/drawing/2010/main">
+                            <a:solidFill>
+                              <a:srgbClr val="FFFFFF"/>
+                            </a:solidFill>
+                          </a14:hiddenFill>
+                        </a:ext>
+                      </a:extLst>
+                    </p:spPr>
+                  </p:pic>
+                </p:oleObj>
+              </mc:Fallback>
+            </mc:AlternateContent>
+          </a:graphicData>
+        </a:graphic>
+      </p:graphicFrame>
+      <p:sp>
+        <p:nvSpPr>
+          <p:cNvPr id="22535" name="Rectangle 2"/>
+          <p:cNvSpPr>
+            <a:spLocks noGrp="1" noChangeArrowheads="1"/>
+          </p:cNvSpPr>
+          <p:nvPr>
+            <p:ph type="title" idx="4294967295"/>
+          </p:nvPr>
+        </p:nvSpPr>
+        <p:spPr>
+          <a:xfrm>
+            <a:off x="1600200" y="0"/>
+            <a:ext cx="7543800" cy="1143000"/>
+          </a:xfrm>
+        </p:spPr>
+        <p:txBody>
+          <a:bodyPr/>
+          <a:lstStyle/>
+          <a:p>
+            <a:pPr eaLnBrk="1" hangingPunct="1"/>
+            <a:r>
+              <a:rPr lang="en-US" sz="4000" smtClean="0">
+                <a:latin typeface="Comic Sans MS" pitchFamily="66" charset="0"/>
+              </a:rPr>
+              <a:t>Closed form for </a:t>
+            </a:r>
+            <a:r>
+              <a:rPr lang="en-US" sz="4000" smtClean="0">
+                <a:solidFill>
+                  <a:srgbClr val="0033CC"/>
+                </a:solidFill>
+                <a:latin typeface="Comic Sans MS" pitchFamily="66" charset="0"/>
+              </a:rPr>
+              <a:t>n!</a:t>
+            </a:r>
+          </a:p>
+        </p:txBody>
+      </p:sp>
+      <p:sp>
+        <p:nvSpPr>
+          <p:cNvPr id="22532" name="Text Box 3"/>
+          <p:cNvSpPr txBox="1">
+            <a:spLocks noChangeArrowheads="1"/>
+          </p:cNvSpPr>
+          <p:nvPr/>
+        </p:nvSpPr>
+        <p:spPr bwMode="auto">
+          <a:xfrm>
+            <a:off x="3451225" y="3260725"/>
+            <a:ext cx="184150" cy="701675"/>
+          </a:xfrm>
+          <a:prstGeom prst="rect">
+            <a:avLst/>
+          </a:prstGeom>
+          <a:noFill/>
+          <a:ln w="9525">
+            <a:noFill/>
+            <a:miter lim="800000"/>
+            <a:headEnd/>
+            <a:tailEnd type="none" w="lg" len="lg"/>
+          </a:ln>
+        </p:spPr>
+        <p:txBody>
+          <a:bodyPr wrap="none">
+            <a:spAutoFit/>
+          </a:bodyPr>
+          <a:lstStyle/>
+          <a:p>
+            <a:endParaRPr lang="en-US" sz="4000"/>
+          </a:p>
+        </p:txBody>
+      </p:sp>
+      <p:sp>
+        <p:nvSpPr>
+          <p:cNvPr id="171012" name="Text Box 4"/>
+          <p:cNvSpPr txBox="1">
+            <a:spLocks noChangeArrowheads="1"/>
+          </p:cNvSpPr>
+          <p:nvPr/>
+        </p:nvSpPr>
+        <p:spPr bwMode="auto">
+          <a:xfrm>
+            <a:off x="504825" y="2955925"/>
+            <a:ext cx="4905375" cy="830263"/>
+          </a:xfrm>
+          <a:prstGeom prst="rect">
+            <a:avLst/>
+          </a:prstGeom>
+          <a:noFill/>
+          <a:ln w="9525">
+            <a:noFill/>
+            <a:miter lim="800000"/>
+            <a:headEnd/>
+            <a:tailEnd type="none" w="lg" len="lg"/>
+          </a:ln>
+        </p:spPr>
+        <p:txBody>
+          <a:bodyPr>
+            <a:spAutoFit/>
+          </a:bodyPr>
+          <a:lstStyle/>
+          <a:p>
+            <a:r>
+              <a:rPr lang="en-US" sz="4800">
+                <a:latin typeface="Comic Sans MS" pitchFamily="66" charset="0"/>
+              </a:rPr>
+              <a:t>exponentiating:</a:t>
+            </a:r>
+            <a:endParaRPr lang="en-US" sz="4800" baseline="30000">
+              <a:latin typeface="Comic Sans MS" pitchFamily="66" charset="0"/>
+            </a:endParaRPr>
+          </a:p>
+        </p:txBody>
+      </p:sp>
+    </p:spTree>
+    <p:extLst>
+      <p:ext uri="{BB962C8B-B14F-4D97-AF65-F5344CB8AC3E}">
+        <p14:creationId xmlns:p14="http://schemas.microsoft.com/office/powerpoint/2010/main" val="3711890752"/>
+      </p:ext>
+    </p:extLst>
+  </p:cSld>
+  <p:clrMapOvr>
+    <a:masterClrMapping/>
+  </p:clrMapOvr>
+  <p:transition xmlns:p14="http://schemas.microsoft.com/office/powerpoint/2010/main" spd="slow" advClick="0">
+    <p:fade/>
+  </p:transition>
+  <p:timing>
+    <p:tnLst>
+      <p:par>
+        <p:cTn xmlns:p14="http://schemas.microsoft.com/office/powerpoint/2010/main" id="1" dur="indefinite" restart="never" nodeType="tmRoot">
+          <p:childTnLst>
+            <p:seq concurrent="1" nextAc="seek">
+              <p:cTn id="2" dur="indefinite" nodeType="mainSeq">
+                <p:childTnLst>
+                  <p:par>
+                    <p:cTn id="3" fill="hold">
+                      <p:stCondLst>
+                        <p:cond delay="indefinite"/>
+                      </p:stCondLst>
+                      <p:childTnLst>
+                        <p:par>
+                          <p:cTn id="4" fill="hold">
+                            <p:stCondLst>
+                              <p:cond delay="0"/>
+                            </p:stCondLst>
+                            <p:childTnLst>
+                              <p:par>
+                                <p:cTn id="5" presetID="10" presetClass="entr" presetSubtype="0" fill="hold" grpId="0" nodeType="clickEffect">
+                                  <p:stCondLst>
+                                    <p:cond delay="0"/>
+                                  </p:stCondLst>
+                                  <p:childTnLst>
+                                    <p:set>
+                                      <p:cBhvr>
+                                        <p:cTn id="6" dur="1" fill="hold">
+                                          <p:stCondLst>
+                                            <p:cond delay="0"/>
+                                          </p:stCondLst>
+                                        </p:cTn>
+                                        <p:tgtEl>
+                                          <p:spTgt spid="171012"/>
+                                        </p:tgtEl>
+                                        <p:attrNameLst>
+                                          <p:attrName>style.visibility</p:attrName>
+                                        </p:attrNameLst>
+                                      </p:cBhvr>
+                                      <p:to>
+                                        <p:strVal val="visible"/>
+                                      </p:to>
+                                    </p:set>
+                                    <p:animEffect transition="in" filter="fade">
+                                      <p:cBhvr>
+                                        <p:cTn id="7" dur="500"/>
+                                        <p:tgtEl>
+                                          <p:spTgt spid="171012"/>
+                                        </p:tgtEl>
+                                      </p:cBhvr>
+                                    </p:animEffect>
+                                  </p:childTnLst>
+                                </p:cTn>
+                              </p:par>
+                            </p:childTnLst>
+                          </p:cTn>
+                        </p:par>
+                      </p:childTnLst>
+                    </p:cTn>
+                  </p:par>
+                  <p:par>
+                    <p:cTn id="8" fill="hold">
+                      <p:stCondLst>
+                        <p:cond delay="indefinite"/>
+                      </p:stCondLst>
+                      <p:childTnLst>
+                        <p:par>
+                          <p:cTn id="9" fill="hold">
+                            <p:stCondLst>
+                              <p:cond delay="0"/>
+                            </p:stCondLst>
+                            <p:childTnLst>
+                              <p:par>
+                                <p:cTn id="10" presetID="22" presetClass="entr" presetSubtype="8" fill="hold" nodeType="clickEffect">
+                                  <p:stCondLst>
+                                    <p:cond delay="0"/>
+                                  </p:stCondLst>
+                                  <p:childTnLst>
+                                    <p:set>
+                                      <p:cBhvr>
+                                        <p:cTn id="11" dur="1" fill="hold">
+                                          <p:stCondLst>
+                                            <p:cond delay="0"/>
+                                          </p:stCondLst>
+                                        </p:cTn>
+                                        <p:tgtEl>
+                                          <p:spTgt spid="171013"/>
+                                        </p:tgtEl>
+                                        <p:attrNameLst>
+                                          <p:attrName>style.visibility</p:attrName>
+                                        </p:attrNameLst>
+                                      </p:cBhvr>
+                                      <p:to>
+                                        <p:strVal val="visible"/>
+                                      </p:to>
+                                    </p:set>
+                                    <p:animEffect transition="in" filter="wipe(left)">
+                                      <p:cBhvr>
+                                        <p:cTn id="12" dur="1000"/>
+                                        <p:tgtEl>
+                                          <p:spTgt spid="171013"/>
+                                        </p:tgtEl>
+                                      </p:cBhvr>
+                                    </p:animEffect>
+                                  </p:childTnLst>
+                                </p:cTn>
+                              </p:par>
+                            </p:childTnLst>
+                          </p:cTn>
+                        </p:par>
+                      </p:childTnLst>
+                    </p:cTn>
+                  </p:par>
+                </p:childTnLst>
+              </p:cTn>
+              <p:prevCondLst>
+                <p:cond evt="onPrev" delay="0">
+                  <p:tgtEl>
+                    <p:sldTgt/>
+                  </p:tgtEl>
+                </p:cond>
+              </p:prevCondLst>
+              <p:nextCondLst>
+                <p:cond evt="onNext" delay="0">
+                  <p:tgtEl>
+                    <p:sldTgt/>
+                  </p:tgtEl>
+                </p:cond>
+              </p:nextCondLst>
+            </p:seq>
+          </p:childTnLst>
+        </p:cTn>
+      </p:par>
+    </p:tnLst>
+    <p:bldLst>
+      <p:bldP spid="171012" grpId="0"/>
+    </p:bldLst>
+  </p:timing>
+</p:sld>
+</file>
+
+<file path=ppt/slides/slide11.xml><?xml version="1.0" encoding="utf-8"?>
+<p:sld xmlns:a="http://schemas.openxmlformats.org/drawingml/2006/main" xmlns:r="http://schemas.openxmlformats.org/officeDocument/2006/relationships" xmlns:p="http://schemas.openxmlformats.org/presentationml/2006/main">
+  <p:cSld>
+    <p:spTree>
+      <p:nvGrpSpPr>
+        <p:cNvPr id="1" name=""/>
+        <p:cNvGrpSpPr/>
+        <p:nvPr/>
+      </p:nvGrpSpPr>
+      <p:grpSpPr>
+        <a:xfrm>
+          <a:off x="0" y="0"/>
+          <a:ext cx="0" cy="0"/>
+          <a:chOff x="0" y="0"/>
+          <a:chExt cx="0" cy="0"/>
+        </a:xfrm>
+      </p:grpSpPr>
+      <p:graphicFrame>
+        <p:nvGraphicFramePr>
+          <p:cNvPr id="156675" name="Object 3"/>
+          <p:cNvGraphicFramePr>
+            <a:graphicFrameLocks noChangeAspect="1"/>
+          </p:cNvGraphicFramePr>
+          <p:nvPr/>
+        </p:nvGraphicFramePr>
+        <p:xfrm>
+          <a:off x="1935163" y="2157413"/>
+          <a:ext cx="5172075" cy="2543175"/>
+        </p:xfrm>
+        <a:graphic>
+          <a:graphicData uri="http://schemas.openxmlformats.org/presentationml/2006/ole">
+            <mc:AlternateContent xmlns:mc="http://schemas.openxmlformats.org/markup-compatibility/2006">
+              <mc:Choice xmlns:v="urn:schemas-microsoft-com:vml" Requires="v">
+                <p:oleObj spid="_x0000_s153642" name="Equation" r:id="rId4" imgW="1054100" imgH="520700" progId="Equation.DSMT4">
+                  <p:embed/>
+                </p:oleObj>
+              </mc:Choice>
+              <mc:Fallback>
+                <p:oleObj name="Equation" r:id="rId4" imgW="1054100" imgH="520700" progId="Equation.DSMT4">
+                  <p:embed/>
+                  <p:pic>
+                    <p:nvPicPr>
+                      <p:cNvPr id="0" name="Object 3"/>
+                      <p:cNvPicPr>
+                        <a:picLocks noChangeAspect="1" noChangeArrowheads="1"/>
+                      </p:cNvPicPr>
+                      <p:nvPr/>
+                    </p:nvPicPr>
+                    <p:blipFill>
+                      <a:blip r:embed="rId5">
+                        <a:extLst>
+                          <a:ext uri="{28A0092B-C50C-407E-A947-70E740481C1C}">
+                            <a14:useLocalDpi xmlns:a14="http://schemas.microsoft.com/office/drawing/2010/main" val="0"/>
+                          </a:ext>
+                        </a:extLst>
+                      </a:blip>
+                      <a:srcRect/>
+                      <a:stretch>
+                        <a:fillRect/>
+                      </a:stretch>
+                    </p:blipFill>
+                    <p:spPr bwMode="auto">
+                      <a:xfrm>
+                        <a:off x="1935163" y="2157413"/>
+                        <a:ext cx="5172075" cy="2543175"/>
+                      </a:xfrm>
+                      <a:prstGeom prst="rect">
+                        <a:avLst/>
+                      </a:prstGeom>
+                      <a:noFill/>
+                      <a:extLst>
+                        <a:ext uri="{909E8E84-426E-40dd-AFC4-6F175D3DCCD1}">
+                          <a14:hiddenFill xmlns:a14="http://schemas.microsoft.com/office/drawing/2010/main">
+                            <a:solidFill>
+                              <a:srgbClr val="FFFFFF"/>
+                            </a:solidFill>
+                          </a14:hiddenFill>
+                        </a:ext>
+                      </a:extLst>
+                    </p:spPr>
+                  </p:pic>
+                </p:oleObj>
+              </mc:Fallback>
+            </mc:AlternateContent>
+          </a:graphicData>
+        </a:graphic>
+      </p:graphicFrame>
+      <p:sp>
+        <p:nvSpPr>
+          <p:cNvPr id="156676" name="Text Box 4"/>
+          <p:cNvSpPr txBox="1">
+            <a:spLocks noChangeArrowheads="1"/>
+          </p:cNvSpPr>
+          <p:nvPr/>
+        </p:nvSpPr>
+        <p:spPr bwMode="auto">
+          <a:xfrm>
+            <a:off x="479425" y="1379538"/>
+            <a:ext cx="7445375" cy="830262"/>
+          </a:xfrm>
+          <a:prstGeom prst="rect">
+            <a:avLst/>
+          </a:prstGeom>
+          <a:noFill/>
+          <a:ln w="9525">
+            <a:noFill/>
+            <a:miter lim="800000"/>
+            <a:headEnd/>
+            <a:tailEnd type="none" w="lg" len="lg"/>
+          </a:ln>
+          <a:effectLst/>
+        </p:spPr>
+        <p:txBody>
+          <a:bodyPr>
+            <a:spAutoFit/>
+          </a:bodyPr>
+          <a:lstStyle/>
+          <a:p>
+            <a:pPr>
+              <a:defRPr/>
+            </a:pPr>
+            <a:r>
+              <a:rPr lang="en-US" sz="4800" dirty="0">
+                <a:latin typeface="+mj-lt"/>
+              </a:rPr>
+              <a:t>A precise approximation:</a:t>
+            </a:r>
+          </a:p>
+        </p:txBody>
+      </p:sp>
+      <p:sp>
+        <p:nvSpPr>
+          <p:cNvPr id="156677" name="Text Box 5"/>
+          <p:cNvSpPr txBox="1">
+            <a:spLocks noChangeArrowheads="1"/>
+          </p:cNvSpPr>
+          <p:nvPr/>
+        </p:nvSpPr>
+        <p:spPr bwMode="auto">
+          <a:xfrm>
+            <a:off x="2133600" y="228600"/>
+            <a:ext cx="6019800" cy="769938"/>
+          </a:xfrm>
+          <a:prstGeom prst="rect">
+            <a:avLst/>
+          </a:prstGeom>
+          <a:noFill/>
+          <a:ln w="9525">
+            <a:noFill/>
+            <a:miter lim="800000"/>
+            <a:headEnd/>
+            <a:tailEnd type="none" w="lg" len="lg"/>
+          </a:ln>
+          <a:effectLst/>
+        </p:spPr>
+        <p:txBody>
+          <a:bodyPr>
+            <a:spAutoFit/>
+          </a:bodyPr>
+          <a:lstStyle/>
+          <a:p>
+            <a:pPr>
+              <a:defRPr/>
+            </a:pPr>
+            <a:r>
+              <a:rPr lang="en-US" sz="4400" b="1" dirty="0" err="1">
+                <a:solidFill>
+                  <a:schemeClr val="tx2"/>
+                </a:solidFill>
+                <a:latin typeface="+mj-lt"/>
+              </a:rPr>
+              <a:t>Stirling’s</a:t>
+            </a:r>
+            <a:r>
+              <a:rPr lang="en-US" sz="4400" b="1" dirty="0">
+                <a:solidFill>
+                  <a:schemeClr val="tx2"/>
+                </a:solidFill>
+                <a:latin typeface="+mj-lt"/>
+              </a:rPr>
+              <a:t> Formula</a:t>
+            </a:r>
+          </a:p>
+        </p:txBody>
+      </p:sp>
+      <p:sp>
+        <p:nvSpPr>
+          <p:cNvPr id="6" name="Rectangle 5"/>
+          <p:cNvSpPr>
+            <a:spLocks noChangeArrowheads="1"/>
+          </p:cNvSpPr>
+          <p:nvPr/>
+        </p:nvSpPr>
+        <p:spPr bwMode="auto">
+          <a:xfrm>
+            <a:off x="1219200" y="2209800"/>
+            <a:ext cx="6553200" cy="2590800"/>
+          </a:xfrm>
+          <a:prstGeom prst="rect">
+            <a:avLst/>
+          </a:prstGeom>
+          <a:noFill/>
+          <a:ln w="31750" algn="ctr">
+            <a:solidFill>
+              <a:srgbClr val="FF33CC"/>
+            </a:solidFill>
+            <a:round/>
+            <a:headEnd/>
+            <a:tailEnd/>
+          </a:ln>
+        </p:spPr>
+        <p:txBody>
+          <a:bodyPr/>
+          <a:lstStyle/>
+          <a:p>
+            <a:pPr eaLnBrk="0" hangingPunct="0"/>
+            <a:endParaRPr lang="en-US"/>
+          </a:p>
+        </p:txBody>
+      </p:sp>
+    </p:spTree>
+  </p:cSld>
+  <p:clrMapOvr>
+    <a:masterClrMapping/>
+  </p:clrMapOvr>
+  <p:transition xmlns:p14="http://schemas.microsoft.com/office/powerpoint/2010/main" spd="slow" advClick="0">
+    <p:fade thruBlk="1"/>
+  </p:transition>
+  <p:timing>
+    <p:tnLst>
+      <p:par>
+        <p:cTn xmlns:p14="http://schemas.microsoft.com/office/powerpoint/2010/main" id="1" dur="indefinite" restart="never" nodeType="tmRoot">
+          <p:childTnLst>
+            <p:seq concurrent="1" nextAc="seek">
+              <p:cTn id="2" dur="indefinite" nodeType="mainSeq">
+                <p:childTnLst>
+                  <p:par>
+                    <p:cTn id="3" fill="hold">
+                      <p:stCondLst>
+                        <p:cond delay="indefinite"/>
+                      </p:stCondLst>
+                      <p:childTnLst>
+                        <p:par>
+                          <p:cTn id="4" fill="hold">
+                            <p:stCondLst>
+                              <p:cond delay="0"/>
+                            </p:stCondLst>
+                            <p:childTnLst>
+                              <p:par>
+                                <p:cTn id="5" presetID="22" presetClass="entr" presetSubtype="8" fill="hold" nodeType="clickEffect">
+                                  <p:stCondLst>
+                                    <p:cond delay="0"/>
+                                  </p:stCondLst>
+                                  <p:childTnLst>
+                                    <p:set>
+                                      <p:cBhvr>
+                                        <p:cTn id="6" dur="1" fill="hold">
+                                          <p:stCondLst>
+                                            <p:cond delay="0"/>
+                                          </p:stCondLst>
+                                        </p:cTn>
+                                        <p:tgtEl>
+                                          <p:spTgt spid="156675"/>
+                                        </p:tgtEl>
+                                        <p:attrNameLst>
+                                          <p:attrName>style.visibility</p:attrName>
+                                        </p:attrNameLst>
+                                      </p:cBhvr>
+                                      <p:to>
+                                        <p:strVal val="visible"/>
+                                      </p:to>
+                                    </p:set>
+                                    <p:animEffect transition="in" filter="wipe(left)">
+                                      <p:cBhvr>
+                                        <p:cTn id="7" dur="1000"/>
+                                        <p:tgtEl>
+                                          <p:spTgt spid="156675"/>
+                                        </p:tgtEl>
+                                      </p:cBhvr>
+                                    </p:animEffect>
+                                  </p:childTnLst>
+                                </p:cTn>
+                              </p:par>
+                            </p:childTnLst>
+                          </p:cTn>
+                        </p:par>
+                      </p:childTnLst>
+                    </p:cTn>
+                  </p:par>
+                  <p:par>
+                    <p:cTn id="8" fill="hold">
+                      <p:stCondLst>
+                        <p:cond delay="indefinite"/>
+                      </p:stCondLst>
+                      <p:childTnLst>
+                        <p:par>
+                          <p:cTn id="9" fill="hold">
+                            <p:stCondLst>
+                              <p:cond delay="0"/>
+                            </p:stCondLst>
+                            <p:childTnLst>
+                              <p:par>
+                                <p:cTn id="10" presetID="15" presetClass="entr" presetSubtype="0" fill="hold" grpId="0" nodeType="clickEffect">
+                                  <p:stCondLst>
+                                    <p:cond delay="0"/>
+                                  </p:stCondLst>
+                                  <p:childTnLst>
+                                    <p:set>
+                                      <p:cBhvr>
+                                        <p:cTn id="11" dur="1" fill="hold">
+                                          <p:stCondLst>
+                                            <p:cond delay="0"/>
+                                          </p:stCondLst>
+                                        </p:cTn>
+                                        <p:tgtEl>
+                                          <p:spTgt spid="156677"/>
+                                        </p:tgtEl>
+                                        <p:attrNameLst>
+                                          <p:attrName>style.visibility</p:attrName>
+                                        </p:attrNameLst>
+                                      </p:cBhvr>
+                                      <p:to>
+                                        <p:strVal val="visible"/>
+                                      </p:to>
+                                    </p:set>
+                                    <p:anim calcmode="lin" valueType="num">
+                                      <p:cBhvr>
+                                        <p:cTn id="12" dur="1000" fill="hold"/>
+                                        <p:tgtEl>
+                                          <p:spTgt spid="156677"/>
+                                        </p:tgtEl>
+                                        <p:attrNameLst>
+                                          <p:attrName>ppt_w</p:attrName>
+                                        </p:attrNameLst>
+                                      </p:cBhvr>
+                                      <p:tavLst>
+                                        <p:tav tm="0">
+                                          <p:val>
+                                            <p:fltVal val="0"/>
+                                          </p:val>
+                                        </p:tav>
+                                        <p:tav tm="100000">
+                                          <p:val>
+                                            <p:strVal val="#ppt_w"/>
+                                          </p:val>
+                                        </p:tav>
+                                      </p:tavLst>
+                                    </p:anim>
+                                    <p:anim calcmode="lin" valueType="num">
+                                      <p:cBhvr>
+                                        <p:cTn id="13" dur="1000" fill="hold"/>
+                                        <p:tgtEl>
+                                          <p:spTgt spid="156677"/>
+                                        </p:tgtEl>
+                                        <p:attrNameLst>
+                                          <p:attrName>ppt_h</p:attrName>
+                                        </p:attrNameLst>
+                                      </p:cBhvr>
+                                      <p:tavLst>
+                                        <p:tav tm="0">
+                                          <p:val>
+                                            <p:fltVal val="0"/>
+                                          </p:val>
+                                        </p:tav>
+                                        <p:tav tm="100000">
+                                          <p:val>
+                                            <p:strVal val="#ppt_h"/>
+                                          </p:val>
+                                        </p:tav>
+                                      </p:tavLst>
+                                    </p:anim>
+                                    <p:anim calcmode="lin" valueType="num">
+                                      <p:cBhvr>
+                                        <p:cTn id="14" dur="1000" fill="hold"/>
+                                        <p:tgtEl>
+                                          <p:spTgt spid="156677"/>
+                                        </p:tgtEl>
+                                        <p:attrNameLst>
+                                          <p:attrName>ppt_x</p:attrName>
+                                        </p:attrNameLst>
+                                      </p:cBhvr>
+                                      <p:tavLst>
+                                        <p:tav tm="0" fmla="#ppt_x+(cos(-2*pi*(1-$))*-#ppt_x-sin(-2*pi*(1-$))*(1-#ppt_y))*(1-$)">
+                                          <p:val>
+                                            <p:fltVal val="0"/>
+                                          </p:val>
+                                        </p:tav>
+                                        <p:tav tm="100000">
+                                          <p:val>
+                                            <p:fltVal val="1"/>
+                                          </p:val>
+                                        </p:tav>
+                                      </p:tavLst>
+                                    </p:anim>
+                                    <p:anim calcmode="lin" valueType="num">
+                                      <p:cBhvr>
+                                        <p:cTn id="15" dur="1000" fill="hold"/>
+                                        <p:tgtEl>
+                                          <p:spTgt spid="156677"/>
+                                        </p:tgtEl>
+                                        <p:attrNameLst>
+                                          <p:attrName>ppt_y</p:attrName>
+                                        </p:attrNameLst>
+                                      </p:cBhvr>
+                                      <p:tavLst>
+                                        <p:tav tm="0" fmla="#ppt_y+(sin(-2*pi*(1-$))*-#ppt_x+cos(-2*pi*(1-$))*(1-#ppt_y))*(1-$)">
+                                          <p:val>
+                                            <p:fltVal val="0"/>
+                                          </p:val>
+                                        </p:tav>
+                                        <p:tav tm="100000">
+                                          <p:val>
+                                            <p:fltVal val="1"/>
+                                          </p:val>
+                                        </p:tav>
+                                      </p:tavLst>
+                                    </p:anim>
+                                  </p:childTnLst>
+                                </p:cTn>
+                              </p:par>
+                            </p:childTnLst>
+                          </p:cTn>
+                        </p:par>
+                        <p:par>
+                          <p:cTn id="16" fill="hold">
+                            <p:stCondLst>
+                              <p:cond delay="1000"/>
+                            </p:stCondLst>
+                            <p:childTnLst>
+                              <p:par>
+                                <p:cTn id="17" presetID="22" presetClass="entr" presetSubtype="8" fill="hold" grpId="0" nodeType="afterEffect">
+                                  <p:stCondLst>
+                                    <p:cond delay="500"/>
+                                  </p:stCondLst>
+                                  <p:childTnLst>
+                                    <p:set>
+                                      <p:cBhvr>
+                                        <p:cTn id="18" dur="1" fill="hold">
+                                          <p:stCondLst>
+                                            <p:cond delay="0"/>
+                                          </p:stCondLst>
+                                        </p:cTn>
+                                        <p:tgtEl>
+                                          <p:spTgt spid="6"/>
+                                        </p:tgtEl>
+                                        <p:attrNameLst>
+                                          <p:attrName>style.visibility</p:attrName>
+                                        </p:attrNameLst>
+                                      </p:cBhvr>
+                                      <p:to>
+                                        <p:strVal val="visible"/>
+                                      </p:to>
+                                    </p:set>
+                                    <p:animEffect transition="in" filter="wipe(left)">
+                                      <p:cBhvr>
+                                        <p:cTn id="19" dur="500"/>
+                                        <p:tgtEl>
+                                          <p:spTgt spid="6"/>
+                                        </p:tgtEl>
+                                      </p:cBhvr>
+                                    </p:animEffect>
+                                  </p:childTnLst>
+                                </p:cTn>
+                              </p:par>
+                            </p:childTnLst>
+                          </p:cTn>
+                        </p:par>
+                      </p:childTnLst>
+                    </p:cTn>
+                  </p:par>
+                </p:childTnLst>
+              </p:cTn>
+              <p:prevCondLst>
+                <p:cond evt="onPrev" delay="0">
+                  <p:tgtEl>
+                    <p:sldTgt/>
+                  </p:tgtEl>
+                </p:cond>
+              </p:prevCondLst>
+              <p:nextCondLst>
+                <p:cond evt="onNext" delay="0">
+                  <p:tgtEl>
+                    <p:sldTgt/>
+                  </p:tgtEl>
+                </p:cond>
+              </p:nextCondLst>
+            </p:seq>
+          </p:childTnLst>
+        </p:cTn>
+      </p:par>
+    </p:tnLst>
+    <p:bldLst>
+      <p:bldP spid="156677" grpId="0"/>
+      <p:bldP spid="6" grpId="0" animBg="1"/>
+    </p:bldLst>
   </p:timing>
 </p:sld>
 </file>
@@ -3236,7 +4596,7 @@
           <a:graphicData uri="http://schemas.openxmlformats.org/presentationml/2006/ole">
             <mc:AlternateContent xmlns:mc="http://schemas.openxmlformats.org/markup-compatibility/2006">
               <mc:Choice xmlns:v="urn:schemas-microsoft-com:vml" Requires="v">
-                <p:oleObj spid="_x0000_s145466" name="Equation" r:id="rId4" imgW="1904760" imgH="431640" progId="Equation.DSMT4">
+                <p:oleObj spid="_x0000_s145479" name="Equation" r:id="rId4" imgW="1904760" imgH="431640" progId="Equation.DSMT4">
                   <p:embed/>
                 </p:oleObj>
               </mc:Choice>
@@ -3662,7 +5022,7 @@
           <a:graphicData uri="http://schemas.openxmlformats.org/presentationml/2006/ole">
             <mc:AlternateContent xmlns:mc="http://schemas.openxmlformats.org/markup-compatibility/2006">
               <mc:Choice xmlns:v="urn:schemas-microsoft-com:vml" Requires="v">
-                <p:oleObj spid="_x0000_s145467" name="Equation" r:id="rId6" imgW="596880" imgH="431640" progId="Equation.DSMT4">
+                <p:oleObj spid="_x0000_s145480" name="Equation" r:id="rId6" imgW="596880" imgH="431640" progId="Equation.DSMT4">
                   <p:embed/>
                 </p:oleObj>
               </mc:Choice>
@@ -3997,7 +5357,7 @@
 </file>
 
 <file path=ppt/slides/slide3.xml><?xml version="1.0" encoding="utf-8"?>
-<p:sld xmlns:a="http://schemas.openxmlformats.org/drawingml/2006/main" xmlns:r="http://schemas.openxmlformats.org/officeDocument/2006/relationships" xmlns:p="http://schemas.openxmlformats.org/presentationml/2006/main">
+<p:sld xmlns:a="http://schemas.openxmlformats.org/drawingml/2006/main" xmlns:r="http://schemas.openxmlformats.org/officeDocument/2006/relationships" xmlns:p="http://schemas.openxmlformats.org/presentationml/2006/main" show="0">
   <p:cSld>
     <p:spTree>
       <p:nvGrpSpPr>
@@ -5966,7 +7326,7 @@
           <a:graphicData uri="http://schemas.openxmlformats.org/presentationml/2006/ole">
             <mc:AlternateContent xmlns:mc="http://schemas.openxmlformats.org/markup-compatibility/2006">
               <mc:Choice xmlns:v="urn:schemas-microsoft-com:vml" Requires="v">
-                <p:oleObj spid="_x0000_s147490" name="Equation" r:id="rId4" imgW="495000" imgH="431640" progId="Equation.DSMT4">
+                <p:oleObj spid="_x0000_s147499" name="Equation" r:id="rId4" imgW="495000" imgH="431640" progId="Equation.DSMT4">
                   <p:embed/>
                 </p:oleObj>
               </mc:Choice>
@@ -6064,7 +7424,7 @@
   <p:clrMapOvr>
     <a:masterClrMapping/>
   </p:clrMapOvr>
-  <p:transition xmlns:p14="http://schemas.microsoft.com/office/powerpoint/2010/main" spd="slow">
+  <p:transition xmlns:p14="http://schemas.microsoft.com/office/powerpoint/2010/main" spd="slow" advClick="0">
     <p:fade thruBlk="1"/>
   </p:transition>
   <p:timing>
@@ -6260,7 +7620,7 @@
 </file>
 
 <file path=ppt/slides/slide4.xml><?xml version="1.0" encoding="utf-8"?>
-<p:sld xmlns:a="http://schemas.openxmlformats.org/drawingml/2006/main" xmlns:r="http://schemas.openxmlformats.org/officeDocument/2006/relationships" xmlns:p="http://schemas.openxmlformats.org/presentationml/2006/main" showMasterPhAnim="0">
+<p:sld xmlns:a="http://schemas.openxmlformats.org/drawingml/2006/main" xmlns:r="http://schemas.openxmlformats.org/officeDocument/2006/relationships" xmlns:p="http://schemas.openxmlformats.org/presentationml/2006/main" showMasterPhAnim="0" show="0">
   <p:cSld>
     <p:spTree>
       <p:nvGrpSpPr>
@@ -6292,7 +7652,7 @@
           <a:graphicData uri="http://schemas.openxmlformats.org/presentationml/2006/ole">
             <mc:AlternateContent xmlns:mc="http://schemas.openxmlformats.org/markup-compatibility/2006">
               <mc:Choice xmlns:v="urn:schemas-microsoft-com:vml" Requires="v">
-                <p:oleObj spid="_x0000_s149586" name="Equation" r:id="rId4" imgW="1600200" imgH="965160" progId="Equation.DSMT4">
+                <p:oleObj spid="_x0000_s149611" name="Equation" r:id="rId4" imgW="1600200" imgH="965160" progId="Equation.DSMT4">
                   <p:embed/>
                 </p:oleObj>
               </mc:Choice>
@@ -6368,7 +7728,7 @@
           <a:graphicData uri="http://schemas.openxmlformats.org/presentationml/2006/ole">
             <mc:AlternateContent xmlns:mc="http://schemas.openxmlformats.org/markup-compatibility/2006">
               <mc:Choice xmlns:v="urn:schemas-microsoft-com:vml" Requires="v">
-                <p:oleObj spid="_x0000_s149587" name="Equation" r:id="rId6" imgW="2070000" imgH="888840" progId="Equation.DSMT4">
+                <p:oleObj spid="_x0000_s149612" name="Equation" r:id="rId6" imgW="2070000" imgH="888840" progId="Equation.DSMT4">
                   <p:embed/>
                 </p:oleObj>
               </mc:Choice>
@@ -6447,7 +7807,7 @@
             <a:graphicData uri="http://schemas.openxmlformats.org/presentationml/2006/ole">
               <mc:AlternateContent xmlns:mc="http://schemas.openxmlformats.org/markup-compatibility/2006">
                 <mc:Choice xmlns:v="urn:schemas-microsoft-com:vml" Requires="v">
-                  <p:oleObj spid="_x0000_s149588" name="Equation" r:id="rId8" imgW="1218960" imgH="431640" progId="Equation.DSMT4">
+                  <p:oleObj spid="_x0000_s149613" name="Equation" r:id="rId8" imgW="1218960" imgH="431640" progId="Equation.DSMT4">
                     <p:embed/>
                   </p:oleObj>
                 </mc:Choice>
@@ -6588,7 +7948,7 @@
   <p:clrMapOvr>
     <a:masterClrMapping/>
   </p:clrMapOvr>
-  <p:transition xmlns:p14="http://schemas.microsoft.com/office/powerpoint/2010/main" spd="slow">
+  <p:transition xmlns:p14="http://schemas.microsoft.com/office/powerpoint/2010/main" spd="slow" advClick="0">
     <p:fade/>
   </p:transition>
   <p:timing>
@@ -6690,7 +8050,7 @@
                                     </p:set>
                                     <p:animEffect transition="in" filter="wipe(left)">
                                       <p:cBhvr>
-                                        <p:cTn id="12" dur="500"/>
+                                        <p:cTn id="12" dur="2000"/>
                                         <p:tgtEl>
                                           <p:spTgt spid="2"/>
                                         </p:tgtEl>
@@ -6731,7 +8091,7 @@
 </file>
 
 <file path=ppt/slides/slide5.xml><?xml version="1.0" encoding="utf-8"?>
-<p:sld xmlns:a="http://schemas.openxmlformats.org/drawingml/2006/main" xmlns:r="http://schemas.openxmlformats.org/officeDocument/2006/relationships" xmlns:p="http://schemas.openxmlformats.org/presentationml/2006/main">
+<p:sld xmlns:a="http://schemas.openxmlformats.org/drawingml/2006/main" xmlns:r="http://schemas.openxmlformats.org/officeDocument/2006/relationships" xmlns:p="http://schemas.openxmlformats.org/presentationml/2006/main" show="0">
   <p:cSld>
     <p:spTree>
       <p:nvGrpSpPr>
@@ -6765,7 +8125,7 @@
           <a:graphicData uri="http://schemas.openxmlformats.org/presentationml/2006/ole">
             <mc:AlternateContent xmlns:mc="http://schemas.openxmlformats.org/markup-compatibility/2006">
               <mc:Choice xmlns:v="urn:schemas-microsoft-com:vml" Requires="v">
-                <p:oleObj spid="_x0000_s151610" name="Equation" r:id="rId4" imgW="1714320" imgH="431640" progId="Equation.DSMT4">
+                <p:oleObj spid="_x0000_s151627" name="Equation" r:id="rId4" imgW="1714320" imgH="431640" progId="Equation.DSMT4">
                   <p:embed/>
                 </p:oleObj>
               </mc:Choice>
@@ -6837,7 +8197,7 @@
           <a:graphicData uri="http://schemas.openxmlformats.org/presentationml/2006/ole">
             <mc:AlternateContent xmlns:mc="http://schemas.openxmlformats.org/markup-compatibility/2006">
               <mc:Choice xmlns:v="urn:schemas-microsoft-com:vml" Requires="v">
-                <p:oleObj spid="_x0000_s151611" name="Equation" r:id="rId6" imgW="1041120" imgH="469800" progId="Equation.DSMT4">
+                <p:oleObj spid="_x0000_s151628" name="Equation" r:id="rId6" imgW="1041120" imgH="469800" progId="Equation.DSMT4">
                   <p:embed/>
                 </p:oleObj>
               </mc:Choice>
@@ -7011,7 +8371,7 @@
   <p:clrMapOvr>
     <a:masterClrMapping/>
   </p:clrMapOvr>
-  <p:transition xmlns:p14="http://schemas.microsoft.com/office/powerpoint/2010/main" spd="slow">
+  <p:transition xmlns:p14="http://schemas.microsoft.com/office/powerpoint/2010/main" spd="slow" advClick="0">
     <p:fade/>
   </p:transition>
   <p:timing>
@@ -7173,68 +8533,141 @@
           <a:chExt cx="0" cy="0"/>
         </a:xfrm>
       </p:grpSpPr>
+      <p:sp>
+        <p:nvSpPr>
+          <p:cNvPr id="2" name="Title 1"/>
+          <p:cNvSpPr>
+            <a:spLocks noGrp="1"/>
+          </p:cNvSpPr>
+          <p:nvPr>
+            <p:ph type="title"/>
+          </p:nvPr>
+        </p:nvSpPr>
+        <p:spPr/>
+        <p:txBody>
+          <a:bodyPr/>
+          <a:lstStyle/>
+          <a:p>
+            <a:r>
+              <a:rPr lang="en-US" dirty="0" smtClean="0"/>
+              <a:t>Integral Sum Bounds</a:t>
+            </a:r>
+            <a:endParaRPr lang="en-US" dirty="0"/>
+          </a:p>
+        </p:txBody>
+      </p:sp>
+      <p:sp>
+        <p:nvSpPr>
+          <p:cNvPr id="3" name="Content Placeholder 2"/>
+          <p:cNvSpPr>
+            <a:spLocks noGrp="1"/>
+          </p:cNvSpPr>
+          <p:nvPr>
+            <p:ph idx="1"/>
+          </p:nvPr>
+        </p:nvSpPr>
+        <p:spPr>
+          <a:xfrm>
+            <a:off x="381000" y="1219200"/>
+            <a:ext cx="8305800" cy="4800600"/>
+          </a:xfrm>
+        </p:spPr>
+        <p:txBody>
+          <a:bodyPr/>
+          <a:lstStyle/>
+          <a:p>
+            <a:r>
+              <a:rPr lang="en-US" sz="4800" dirty="0"/>
+              <a:t>Let </a:t>
+            </a:r>
+            <a:r>
+              <a:rPr lang="en-US" sz="4800" dirty="0" smtClean="0"/>
+              <a:t>                  be </a:t>
+            </a:r>
+            <a:r>
+              <a:rPr lang="en-US" sz="4800" dirty="0"/>
+              <a:t>a weakly </a:t>
+            </a:r>
+            <a:endParaRPr lang="en-US" sz="4800" dirty="0" smtClean="0"/>
+          </a:p>
+          <a:p>
+            <a:r>
+              <a:rPr lang="en-US" sz="4800" dirty="0" smtClean="0">
+                <a:solidFill>
+                  <a:srgbClr val="9D007C"/>
+                </a:solidFill>
+              </a:rPr>
+              <a:t>in</a:t>
+            </a:r>
+            <a:r>
+              <a:rPr lang="en-US" sz="4800" dirty="0" smtClean="0"/>
+              <a:t>creasing </a:t>
+            </a:r>
+            <a:r>
+              <a:rPr lang="en-US" sz="4800" dirty="0"/>
+              <a:t>function</a:t>
+            </a:r>
+            <a:r>
+              <a:rPr lang="en-US" sz="4800" dirty="0" smtClean="0"/>
+              <a:t>.</a:t>
+            </a:r>
+            <a:r>
+              <a:rPr lang="en-US" dirty="0" smtClean="0"/>
+              <a:t>        </a:t>
+            </a:r>
+            <a:endParaRPr lang="en-US" dirty="0"/>
+          </a:p>
+        </p:txBody>
+      </p:sp>
       <p:graphicFrame>
         <p:nvGraphicFramePr>
-          <p:cNvPr id="156675" name="Object 3"/>
+          <p:cNvPr id="4" name="Object 3"/>
           <p:cNvGraphicFramePr>
             <a:graphicFrameLocks noChangeAspect="1"/>
           </p:cNvGraphicFramePr>
-          <p:nvPr/>
+          <p:nvPr>
+            <p:extLst>
+              <p:ext uri="{D42A27DB-BD31-4B8C-83A1-F6EECF244321}">
+                <p14:modId xmlns:p14="http://schemas.microsoft.com/office/powerpoint/2010/main" val="3108473956"/>
+              </p:ext>
+            </p:extLst>
+          </p:nvPr>
         </p:nvGraphicFramePr>
         <p:xfrm>
-          <a:off x="1935163" y="2157413"/>
-          <a:ext cx="5172075" cy="2543175"/>
+          <a:off x="304800" y="2667000"/>
+          <a:ext cx="8128000" cy="1857375"/>
         </p:xfrm>
         <a:graphic>
           <a:graphicData uri="http://schemas.openxmlformats.org/presentationml/2006/ole">
             <mc:AlternateContent xmlns:mc="http://schemas.openxmlformats.org/markup-compatibility/2006">
               <mc:Choice xmlns:v="urn:schemas-microsoft-com:vml" Requires="v">
-                <p:oleObj spid="_x0000_s153634" name="Equation" r:id="rId4" imgW="1054100" imgH="520700" progId="Equation.DSMT4">
+                <p:oleObj spid="_x0000_s155661" name="Equation" r:id="rId4" imgW="2057400" imgH="469900" progId="Equation.DSMT4">
                   <p:embed/>
                 </p:oleObj>
               </mc:Choice>
               <mc:Fallback>
-                <p:oleObj name="Equation" r:id="rId4" imgW="1054100" imgH="520700" progId="Equation.DSMT4">
+                <p:oleObj name="Equation" r:id="rId4" imgW="2057400" imgH="469900" progId="Equation.DSMT4">
                   <p:embed/>
                   <p:pic>
                     <p:nvPicPr>
-                      <p:cNvPr id="0" name="Object 3"/>
-                      <p:cNvPicPr>
-                        <a:picLocks noChangeAspect="1" noChangeArrowheads="1"/>
-                      </p:cNvPicPr>
+                      <p:cNvPr id="0" name=""/>
+                      <p:cNvPicPr/>
                       <p:nvPr/>
                     </p:nvPicPr>
                     <p:blipFill>
-                      <a:blip r:embed="rId5">
-                        <a:extLst>
-                          <a:ext uri="{28A0092B-C50C-407E-A947-70E740481C1C}">
-                            <a14:useLocalDpi xmlns:a14="http://schemas.microsoft.com/office/drawing/2010/main" val="0"/>
-                          </a:ext>
-                        </a:extLst>
-                      </a:blip>
-                      <a:srcRect/>
+                      <a:blip r:embed="rId5"/>
                       <a:stretch>
                         <a:fillRect/>
                       </a:stretch>
                     </p:blipFill>
-                    <p:spPr bwMode="auto">
+                    <p:spPr>
                       <a:xfrm>
-                        <a:off x="1935163" y="2157413"/>
-                        <a:ext cx="5172075" cy="2543175"/>
+                        <a:off x="304800" y="2667000"/>
+                        <a:ext cx="8128000" cy="1857375"/>
                       </a:xfrm>
                       <a:prstGeom prst="rect">
                         <a:avLst/>
                       </a:prstGeom>
-                      <a:noFill/>
-                      <a:extLst>
-                        <a:ext uri="{909E8E84-426E-40dd-AFC4-6F175D3DCCD1}">
-                          <a14:hiddenFill xmlns:a14="http://schemas.microsoft.com/office/drawing/2010/main">
-                            <a:solidFill>
-                              <a:srgbClr val="FFFFFF"/>
-                            </a:solidFill>
-                          </a14:hiddenFill>
-                        </a:ext>
-                      </a:extLst>
                     </p:spPr>
                   </p:pic>
                 </p:oleObj>
@@ -7243,146 +8676,482 @@
           </a:graphicData>
         </a:graphic>
       </p:graphicFrame>
+      <p:graphicFrame>
+        <p:nvGraphicFramePr>
+          <p:cNvPr id="5" name="Object 4"/>
+          <p:cNvGraphicFramePr>
+            <a:graphicFrameLocks noChangeAspect="1"/>
+          </p:cNvGraphicFramePr>
+          <p:nvPr>
+            <p:extLst>
+              <p:ext uri="{D42A27DB-BD31-4B8C-83A1-F6EECF244321}">
+                <p14:modId xmlns:p14="http://schemas.microsoft.com/office/powerpoint/2010/main" val="3061758971"/>
+              </p:ext>
+            </p:extLst>
+          </p:nvPr>
+        </p:nvGraphicFramePr>
+        <p:xfrm>
+          <a:off x="1106488" y="4572000"/>
+          <a:ext cx="6911975" cy="987425"/>
+        </p:xfrm>
+        <a:graphic>
+          <a:graphicData uri="http://schemas.openxmlformats.org/presentationml/2006/ole">
+            <mc:AlternateContent xmlns:mc="http://schemas.openxmlformats.org/markup-compatibility/2006">
+              <mc:Choice xmlns:v="urn:schemas-microsoft-com:vml" Requires="v">
+                <p:oleObj spid="_x0000_s155662" name="Equation" r:id="rId6" imgW="1511300" imgH="215900" progId="Equation.DSMT4">
+                  <p:embed/>
+                </p:oleObj>
+              </mc:Choice>
+              <mc:Fallback>
+                <p:oleObj name="Equation" r:id="rId6" imgW="1511300" imgH="215900" progId="Equation.DSMT4">
+                  <p:embed/>
+                  <p:pic>
+                    <p:nvPicPr>
+                      <p:cNvPr id="0" name=""/>
+                      <p:cNvPicPr/>
+                      <p:nvPr/>
+                    </p:nvPicPr>
+                    <p:blipFill>
+                      <a:blip r:embed="rId7"/>
+                      <a:stretch>
+                        <a:fillRect/>
+                      </a:stretch>
+                    </p:blipFill>
+                    <p:spPr>
+                      <a:xfrm>
+                        <a:off x="1106488" y="4572000"/>
+                        <a:ext cx="6911975" cy="987425"/>
+                      </a:xfrm>
+                      <a:prstGeom prst="rect">
+                        <a:avLst/>
+                      </a:prstGeom>
+                    </p:spPr>
+                  </p:pic>
+                </p:oleObj>
+              </mc:Fallback>
+            </mc:AlternateContent>
+          </a:graphicData>
+        </a:graphic>
+      </p:graphicFrame>
+      <p:graphicFrame>
+        <p:nvGraphicFramePr>
+          <p:cNvPr id="6" name="Object 5"/>
+          <p:cNvGraphicFramePr>
+            <a:graphicFrameLocks noChangeAspect="1"/>
+          </p:cNvGraphicFramePr>
+          <p:nvPr>
+            <p:extLst>
+              <p:ext uri="{D42A27DB-BD31-4B8C-83A1-F6EECF244321}">
+                <p14:modId xmlns:p14="http://schemas.microsoft.com/office/powerpoint/2010/main" val="3224506904"/>
+              </p:ext>
+            </p:extLst>
+          </p:nvPr>
+        </p:nvGraphicFramePr>
+        <p:xfrm>
+          <a:off x="1524000" y="1143000"/>
+          <a:ext cx="3301999" cy="914400"/>
+        </p:xfrm>
+        <a:graphic>
+          <a:graphicData uri="http://schemas.openxmlformats.org/presentationml/2006/ole">
+            <mc:AlternateContent xmlns:mc="http://schemas.openxmlformats.org/markup-compatibility/2006">
+              <mc:Choice xmlns:v="urn:schemas-microsoft-com:vml" Requires="v">
+                <p:oleObj spid="_x0000_s155663" name="Equation" r:id="rId8" imgW="825500" imgH="228600" progId="Equation.DSMT4">
+                  <p:embed/>
+                </p:oleObj>
+              </mc:Choice>
+              <mc:Fallback>
+                <p:oleObj name="Equation" r:id="rId8" imgW="825500" imgH="228600" progId="Equation.DSMT4">
+                  <p:embed/>
+                  <p:pic>
+                    <p:nvPicPr>
+                      <p:cNvPr id="0" name=""/>
+                      <p:cNvPicPr/>
+                      <p:nvPr/>
+                    </p:nvPicPr>
+                    <p:blipFill>
+                      <a:blip r:embed="rId9"/>
+                      <a:stretch>
+                        <a:fillRect/>
+                      </a:stretch>
+                    </p:blipFill>
+                    <p:spPr>
+                      <a:xfrm>
+                        <a:off x="1524000" y="1143000"/>
+                        <a:ext cx="3301999" cy="914400"/>
+                      </a:xfrm>
+                      <a:prstGeom prst="rect">
+                        <a:avLst/>
+                      </a:prstGeom>
+                    </p:spPr>
+                  </p:pic>
+                </p:oleObj>
+              </mc:Fallback>
+            </mc:AlternateContent>
+          </a:graphicData>
+        </a:graphic>
+      </p:graphicFrame>
+    </p:spTree>
+    <p:extLst>
+      <p:ext uri="{BB962C8B-B14F-4D97-AF65-F5344CB8AC3E}">
+        <p14:creationId xmlns:p14="http://schemas.microsoft.com/office/powerpoint/2010/main" val="1541741625"/>
+      </p:ext>
+    </p:extLst>
+  </p:cSld>
+  <p:clrMapOvr>
+    <a:masterClrMapping/>
+  </p:clrMapOvr>
+  <mc:AlternateContent xmlns:mc="http://schemas.openxmlformats.org/markup-compatibility/2006">
+    <mc:Choice xmlns:p14="http://schemas.microsoft.com/office/powerpoint/2010/main" Requires="p14">
+      <p:transition spd="slow" p14:dur="1100" advClick="0">
+        <p:fade thruBlk="1"/>
+      </p:transition>
+    </mc:Choice>
+    <mc:Fallback>
+      <p:transition xmlns:p14="http://schemas.microsoft.com/office/powerpoint/2010/main" spd="slow" advClick="0">
+        <p:fade thruBlk="1"/>
+      </p:transition>
+    </mc:Fallback>
+  </mc:AlternateContent>
+  <p:timing>
+    <p:tnLst>
+      <p:par>
+        <p:cTn xmlns:p14="http://schemas.microsoft.com/office/powerpoint/2010/main" id="1" dur="indefinite" restart="never" nodeType="tmRoot">
+          <p:childTnLst>
+            <p:seq concurrent="1" nextAc="seek">
+              <p:cTn id="2" dur="indefinite" nodeType="mainSeq">
+                <p:childTnLst>
+                  <p:par>
+                    <p:cTn id="3" fill="hold">
+                      <p:stCondLst>
+                        <p:cond delay="indefinite"/>
+                      </p:stCondLst>
+                      <p:childTnLst>
+                        <p:par>
+                          <p:cTn id="4" fill="hold">
+                            <p:stCondLst>
+                              <p:cond delay="0"/>
+                            </p:stCondLst>
+                            <p:childTnLst>
+                              <p:par>
+                                <p:cTn id="5" presetID="22" presetClass="entr" presetSubtype="8" fill="hold" nodeType="clickEffect">
+                                  <p:stCondLst>
+                                    <p:cond delay="0"/>
+                                  </p:stCondLst>
+                                  <p:childTnLst>
+                                    <p:set>
+                                      <p:cBhvr>
+                                        <p:cTn id="6" dur="1" fill="hold">
+                                          <p:stCondLst>
+                                            <p:cond delay="0"/>
+                                          </p:stCondLst>
+                                        </p:cTn>
+                                        <p:tgtEl>
+                                          <p:spTgt spid="5"/>
+                                        </p:tgtEl>
+                                        <p:attrNameLst>
+                                          <p:attrName>style.visibility</p:attrName>
+                                        </p:attrNameLst>
+                                      </p:cBhvr>
+                                      <p:to>
+                                        <p:strVal val="visible"/>
+                                      </p:to>
+                                    </p:set>
+                                    <p:animEffect transition="in" filter="wipe(left)">
+                                      <p:cBhvr>
+                                        <p:cTn id="7" dur="1000"/>
+                                        <p:tgtEl>
+                                          <p:spTgt spid="5"/>
+                                        </p:tgtEl>
+                                      </p:cBhvr>
+                                    </p:animEffect>
+                                  </p:childTnLst>
+                                </p:cTn>
+                              </p:par>
+                            </p:childTnLst>
+                          </p:cTn>
+                        </p:par>
+                      </p:childTnLst>
+                    </p:cTn>
+                  </p:par>
+                </p:childTnLst>
+              </p:cTn>
+              <p:prevCondLst>
+                <p:cond evt="onPrev" delay="0">
+                  <p:tgtEl>
+                    <p:sldTgt/>
+                  </p:tgtEl>
+                </p:cond>
+              </p:prevCondLst>
+              <p:nextCondLst>
+                <p:cond evt="onNext" delay="0">
+                  <p:tgtEl>
+                    <p:sldTgt/>
+                  </p:tgtEl>
+                </p:cond>
+              </p:nextCondLst>
+            </p:seq>
+          </p:childTnLst>
+        </p:cTn>
+      </p:par>
+    </p:tnLst>
+  </p:timing>
+</p:sld>
+</file>
+
+<file path=ppt/slides/slide7.xml><?xml version="1.0" encoding="utf-8"?>
+<p:sld xmlns:a="http://schemas.openxmlformats.org/drawingml/2006/main" xmlns:r="http://schemas.openxmlformats.org/officeDocument/2006/relationships" xmlns:p="http://schemas.openxmlformats.org/presentationml/2006/main" showMasterPhAnim="0">
+  <p:cSld>
+    <p:spTree>
+      <p:nvGrpSpPr>
+        <p:cNvPr id="1" name=""/>
+        <p:cNvGrpSpPr/>
+        <p:nvPr/>
+      </p:nvGrpSpPr>
+      <p:grpSpPr>
+        <a:xfrm>
+          <a:off x="0" y="0"/>
+          <a:ext cx="0" cy="0"/>
+          <a:chOff x="0" y="0"/>
+          <a:chExt cx="0" cy="0"/>
+        </a:xfrm>
+      </p:grpSpPr>
+      <p:grpSp>
+        <p:nvGrpSpPr>
+          <p:cNvPr id="3" name="Group 13"/>
+          <p:cNvGrpSpPr>
+            <a:grpSpLocks/>
+          </p:cNvGrpSpPr>
+          <p:nvPr/>
+        </p:nvGrpSpPr>
+        <p:grpSpPr bwMode="auto">
+          <a:xfrm>
+            <a:off x="1878013" y="3733800"/>
+            <a:ext cx="5413375" cy="2087563"/>
+            <a:chOff x="1878728" y="4457700"/>
+            <a:chExt cx="5564396" cy="2245115"/>
+          </a:xfrm>
+        </p:grpSpPr>
+        <p:graphicFrame>
+          <p:nvGraphicFramePr>
+            <p:cNvPr id="21508" name="Object 7"/>
+            <p:cNvGraphicFramePr>
+              <a:graphicFrameLocks noChangeAspect="1"/>
+            </p:cNvGraphicFramePr>
+            <p:nvPr>
+              <p:extLst>
+                <p:ext uri="{D42A27DB-BD31-4B8C-83A1-F6EECF244321}">
+                  <p14:modId xmlns:p14="http://schemas.microsoft.com/office/powerpoint/2010/main" val="1007874253"/>
+                </p:ext>
+              </p:extLst>
+            </p:nvPr>
+          </p:nvGraphicFramePr>
+          <p:xfrm>
+            <a:off x="2864328" y="4918674"/>
+            <a:ext cx="4578796" cy="1784141"/>
+          </p:xfrm>
+          <a:graphic>
+            <a:graphicData uri="http://schemas.openxmlformats.org/presentationml/2006/ole">
+              <mc:AlternateContent xmlns:mc="http://schemas.openxmlformats.org/markup-compatibility/2006">
+                <mc:Choice xmlns:v="urn:schemas-microsoft-com:vml" Requires="v">
+                  <p:oleObj spid="_x0000_s156683" name="Equation" r:id="rId4" imgW="1206500" imgH="469900" progId="Equation.DSMT4">
+                    <p:embed/>
+                  </p:oleObj>
+                </mc:Choice>
+                <mc:Fallback>
+                  <p:oleObj name="Equation" r:id="rId4" imgW="1206500" imgH="469900" progId="Equation.DSMT4">
+                    <p:embed/>
+                    <p:pic>
+                      <p:nvPicPr>
+                        <p:cNvPr id="0" name=""/>
+                        <p:cNvPicPr>
+                          <a:picLocks noChangeAspect="1" noChangeArrowheads="1"/>
+                        </p:cNvPicPr>
+                        <p:nvPr/>
+                      </p:nvPicPr>
+                      <p:blipFill>
+                        <a:blip r:embed="rId5"/>
+                        <a:srcRect/>
+                        <a:stretch>
+                          <a:fillRect/>
+                        </a:stretch>
+                      </p:blipFill>
+                      <p:spPr bwMode="auto">
+                        <a:xfrm>
+                          <a:off x="2864328" y="4918674"/>
+                          <a:ext cx="4578796" cy="1784141"/>
+                        </a:xfrm>
+                        <a:prstGeom prst="rect">
+                          <a:avLst/>
+                        </a:prstGeom>
+                        <a:noFill/>
+                        <a:extLst>
+                          <a:ext uri="{909E8E84-426E-40dd-AFC4-6F175D3DCCD1}">
+                            <a14:hiddenFill xmlns:a14="http://schemas.microsoft.com/office/drawing/2010/main">
+                              <a:solidFill>
+                                <a:srgbClr val="FFFFFF"/>
+                              </a:solidFill>
+                            </a14:hiddenFill>
+                          </a:ext>
+                        </a:extLst>
+                      </p:spPr>
+                    </p:pic>
+                  </p:oleObj>
+                </mc:Fallback>
+              </mc:AlternateContent>
+            </a:graphicData>
+          </a:graphic>
+        </p:graphicFrame>
+        <p:sp>
+          <p:nvSpPr>
+            <p:cNvPr id="8" name="Text Box 7"/>
+            <p:cNvSpPr txBox="1">
+              <a:spLocks noChangeArrowheads="1"/>
+            </p:cNvSpPr>
+            <p:nvPr/>
+          </p:nvSpPr>
+          <p:spPr bwMode="auto">
+            <a:xfrm>
+              <a:off x="1878728" y="4457700"/>
+              <a:ext cx="3226044" cy="827512"/>
+            </a:xfrm>
+            <a:prstGeom prst="rect">
+              <a:avLst/>
+            </a:prstGeom>
+            <a:noFill/>
+            <a:ln w="9525">
+              <a:noFill/>
+              <a:miter lim="800000"/>
+              <a:headEnd/>
+              <a:tailEnd/>
+            </a:ln>
+          </p:spPr>
+          <p:txBody>
+            <a:bodyPr>
+              <a:spAutoFit/>
+            </a:bodyPr>
+            <a:lstStyle/>
+            <a:p>
+              <a:pPr eaLnBrk="0" hangingPunct="0">
+                <a:defRPr/>
+              </a:pPr>
+              <a:r>
+                <a:rPr lang="en-US" sz="4400" dirty="0">
+                  <a:latin typeface="+mj-lt"/>
+                </a:rPr>
+                <a:t>reminder:</a:t>
+              </a:r>
+            </a:p>
+          </p:txBody>
+        </p:sp>
+      </p:grpSp>
       <p:sp>
         <p:nvSpPr>
-          <p:cNvPr id="156676" name="Text Box 4"/>
-          <p:cNvSpPr txBox="1">
-            <a:spLocks noChangeArrowheads="1"/>
+          <p:cNvPr id="10" name="Rectangle 2"/>
+          <p:cNvSpPr>
+            <a:spLocks noGrp="1" noChangeArrowheads="1"/>
           </p:cNvSpPr>
-          <p:nvPr/>
+          <p:nvPr>
+            <p:ph type="title"/>
+          </p:nvPr>
         </p:nvSpPr>
-        <p:spPr bwMode="auto">
+        <p:spPr>
           <a:xfrm>
-            <a:off x="479425" y="1379538"/>
-            <a:ext cx="7445375" cy="830262"/>
+            <a:off x="1143000" y="152400"/>
+            <a:ext cx="7239000" cy="914400"/>
           </a:xfrm>
-          <a:prstGeom prst="rect">
-            <a:avLst/>
-          </a:prstGeom>
-          <a:noFill/>
-          <a:ln w="9525">
-            <a:noFill/>
-            <a:miter lim="800000"/>
-            <a:headEnd/>
-            <a:tailEnd type="none" w="lg" len="lg"/>
-          </a:ln>
-          <a:effectLst/>
-        </p:spPr>
-        <p:txBody>
-          <a:bodyPr>
-            <a:spAutoFit/>
-          </a:bodyPr>
-          <a:lstStyle/>
-          <a:p>
-            <a:pPr>
-              <a:defRPr/>
-            </a:pPr>
-            <a:r>
-              <a:rPr lang="en-US" sz="4800" dirty="0">
-                <a:latin typeface="+mj-lt"/>
-              </a:rPr>
-              <a:t>A precise approximation:</a:t>
-            </a:r>
-          </a:p>
-        </p:txBody>
-      </p:sp>
-      <p:sp>
-        <p:nvSpPr>
-          <p:cNvPr id="156677" name="Text Box 5"/>
-          <p:cNvSpPr txBox="1">
-            <a:spLocks noChangeArrowheads="1"/>
-          </p:cNvSpPr>
-          <p:nvPr/>
-        </p:nvSpPr>
-        <p:spPr bwMode="auto">
-          <a:xfrm>
-            <a:off x="2133600" y="228600"/>
-            <a:ext cx="6019800" cy="769938"/>
-          </a:xfrm>
-          <a:prstGeom prst="rect">
-            <a:avLst/>
-          </a:prstGeom>
-          <a:noFill/>
-          <a:ln w="9525">
-            <a:noFill/>
-            <a:miter lim="800000"/>
-            <a:headEnd/>
-            <a:tailEnd type="none" w="lg" len="lg"/>
-          </a:ln>
-          <a:effectLst/>
-        </p:spPr>
-        <p:txBody>
-          <a:bodyPr>
-            <a:spAutoFit/>
-          </a:bodyPr>
-          <a:lstStyle/>
-          <a:p>
-            <a:pPr>
-              <a:defRPr/>
-            </a:pPr>
-            <a:r>
-              <a:rPr lang="en-US" sz="4400" b="1" dirty="0" err="1">
-                <a:solidFill>
-                  <a:schemeClr val="tx2"/>
-                </a:solidFill>
-                <a:latin typeface="+mj-lt"/>
-              </a:rPr>
-              <a:t>Stirling’s</a:t>
-            </a:r>
-            <a:r>
-              <a:rPr lang="en-US" sz="4400" b="1" dirty="0">
-                <a:solidFill>
-                  <a:schemeClr val="tx2"/>
-                </a:solidFill>
-                <a:latin typeface="+mj-lt"/>
-              </a:rPr>
-              <a:t> Formula</a:t>
-            </a:r>
-          </a:p>
-        </p:txBody>
-      </p:sp>
-      <p:sp>
-        <p:nvSpPr>
-          <p:cNvPr id="6" name="Rectangle 5"/>
-          <p:cNvSpPr>
-            <a:spLocks noChangeArrowheads="1"/>
-          </p:cNvSpPr>
-          <p:nvPr/>
-        </p:nvSpPr>
-        <p:spPr bwMode="auto">
-          <a:xfrm>
-            <a:off x="1219200" y="2209800"/>
-            <a:ext cx="6553200" cy="2590800"/>
-          </a:xfrm>
-          <a:prstGeom prst="rect">
-            <a:avLst/>
-          </a:prstGeom>
-          <a:noFill/>
-          <a:ln w="31750" algn="ctr">
-            <a:solidFill>
-              <a:srgbClr val="FF33CC"/>
-            </a:solidFill>
-            <a:round/>
-            <a:headEnd/>
-            <a:tailEnd/>
-          </a:ln>
         </p:spPr>
         <p:txBody>
           <a:bodyPr/>
           <a:lstStyle/>
           <a:p>
-            <a:pPr eaLnBrk="0" hangingPunct="0"/>
-            <a:endParaRPr lang="en-US"/>
+            <a:pPr eaLnBrk="1" hangingPunct="1"/>
+            <a:r>
+              <a:rPr lang="en-US" sz="4000" dirty="0" smtClean="0">
+                <a:latin typeface="Comic Sans MS" pitchFamily="66" charset="0"/>
+              </a:rPr>
+              <a:t>Closed form for </a:t>
+            </a:r>
+            <a:r>
+              <a:rPr lang="en-US" sz="4000" dirty="0" smtClean="0">
+                <a:solidFill>
+                  <a:srgbClr val="0033CC"/>
+                </a:solidFill>
+                <a:latin typeface="Comic Sans MS" pitchFamily="66" charset="0"/>
+              </a:rPr>
+              <a:t>n!</a:t>
+            </a:r>
           </a:p>
         </p:txBody>
       </p:sp>
+      <p:graphicFrame>
+        <p:nvGraphicFramePr>
+          <p:cNvPr id="4" name="Object 3"/>
+          <p:cNvGraphicFramePr>
+            <a:graphicFrameLocks noChangeAspect="1"/>
+          </p:cNvGraphicFramePr>
+          <p:nvPr>
+            <p:extLst>
+              <p:ext uri="{D42A27DB-BD31-4B8C-83A1-F6EECF244321}">
+                <p14:modId xmlns:p14="http://schemas.microsoft.com/office/powerpoint/2010/main" val="3229216995"/>
+              </p:ext>
+            </p:extLst>
+          </p:nvPr>
+        </p:nvGraphicFramePr>
+        <p:xfrm>
+          <a:off x="152400" y="1295400"/>
+          <a:ext cx="8613912" cy="1905000"/>
+        </p:xfrm>
+        <a:graphic>
+          <a:graphicData uri="http://schemas.openxmlformats.org/presentationml/2006/ole">
+            <mc:AlternateContent xmlns:mc="http://schemas.openxmlformats.org/markup-compatibility/2006">
+              <mc:Choice xmlns:v="urn:schemas-microsoft-com:vml" Requires="v">
+                <p:oleObj spid="_x0000_s156684" name="Equation" r:id="rId6" imgW="2641600" imgH="584200" progId="Equation.DSMT4">
+                  <p:embed/>
+                </p:oleObj>
+              </mc:Choice>
+              <mc:Fallback>
+                <p:oleObj name="Equation" r:id="rId6" imgW="2641600" imgH="584200" progId="Equation.DSMT4">
+                  <p:embed/>
+                  <p:pic>
+                    <p:nvPicPr>
+                      <p:cNvPr id="0" name=""/>
+                      <p:cNvPicPr/>
+                      <p:nvPr/>
+                    </p:nvPicPr>
+                    <p:blipFill>
+                      <a:blip r:embed="rId7"/>
+                      <a:stretch>
+                        <a:fillRect/>
+                      </a:stretch>
+                    </p:blipFill>
+                    <p:spPr>
+                      <a:xfrm>
+                        <a:off x="152400" y="1295400"/>
+                        <a:ext cx="8613912" cy="1905000"/>
+                      </a:xfrm>
+                      <a:prstGeom prst="rect">
+                        <a:avLst/>
+                      </a:prstGeom>
+                    </p:spPr>
+                  </p:pic>
+                </p:oleObj>
+              </mc:Fallback>
+            </mc:AlternateContent>
+          </a:graphicData>
+        </a:graphic>
+      </p:graphicFrame>
     </p:spTree>
+    <p:extLst>
+      <p:ext uri="{BB962C8B-B14F-4D97-AF65-F5344CB8AC3E}">
+        <p14:creationId xmlns:p14="http://schemas.microsoft.com/office/powerpoint/2010/main" val="527128602"/>
+      </p:ext>
+    </p:extLst>
   </p:cSld>
   <p:clrMapOvr>
     <a:masterClrMapping/>
   </p:clrMapOvr>
-  <p:transition xmlns:p14="http://schemas.microsoft.com/office/powerpoint/2010/main" spd="slow">
-    <p:fade thruBlk="1"/>
+  <p:transition xmlns:p14="http://schemas.microsoft.com/office/powerpoint/2010/main" spd="slow" advClick="0">
+    <p:fade/>
   </p:transition>
   <p:timing>
     <p:tnLst>
@@ -7418,7 +9187,7 @@
                                           </p:stCondLst>
                                         </p:cTn>
                                         <p:tgtEl>
-                                          <p:spTgt spid="156675"/>
+                                          <p:spTgt spid="3"/>
                                         </p:tgtEl>
                                         <p:attrNameLst>
                                           <p:attrName>style.visibility</p:attrName>
@@ -7432,188 +9201,7 @@
                                       <p:cBhvr>
                                         <p:cTn id="7" dur="1000"/>
                                         <p:tgtEl>
-                                          <p:spTgt spid="156675"/>
-                                        </p:tgtEl>
-                                      </p:cBhvr>
-                                    </p:animEffect>
-                                  </p:childTnLst>
-                                </p:cTn>
-                              </p:par>
-                            </p:childTnLst>
-                          </p:cTn>
-                        </p:par>
-                      </p:childTnLst>
-                    </p:cTn>
-                  </p:par>
-                  <p:par>
-                    <p:cTn id="8" fill="hold">
-                      <p:stCondLst>
-                        <p:cond delay="indefinite"/>
-                      </p:stCondLst>
-                      <p:childTnLst>
-                        <p:par>
-                          <p:cTn id="9" fill="hold">
-                            <p:stCondLst>
-                              <p:cond delay="0"/>
-                            </p:stCondLst>
-                            <p:childTnLst>
-                              <p:par>
-                                <p:cTn id="10" presetID="15" presetClass="entr" presetSubtype="0" fill="hold" grpId="0" nodeType="clickEffect">
-                                  <p:stCondLst>
-                                    <p:cond delay="0"/>
-                                  </p:stCondLst>
-                                  <p:childTnLst>
-                                    <p:set>
-                                      <p:cBhvr>
-                                        <p:cTn id="11" dur="1" fill="hold">
-                                          <p:stCondLst>
-                                            <p:cond delay="0"/>
-                                          </p:stCondLst>
-                                        </p:cTn>
-                                        <p:tgtEl>
-                                          <p:spTgt spid="156677"/>
-                                        </p:tgtEl>
-                                        <p:attrNameLst>
-                                          <p:attrName>style.visibility</p:attrName>
-                                        </p:attrNameLst>
-                                      </p:cBhvr>
-                                      <p:to>
-                                        <p:strVal val="visible"/>
-                                      </p:to>
-                                    </p:set>
-                                    <p:anim calcmode="lin" valueType="num">
-                                      <p:cBhvr>
-                                        <p:cTn id="12" dur="1000" fill="hold"/>
-                                        <p:tgtEl>
-                                          <p:spTgt spid="156677"/>
-                                        </p:tgtEl>
-                                        <p:attrNameLst>
-                                          <p:attrName>ppt_w</p:attrName>
-                                        </p:attrNameLst>
-                                      </p:cBhvr>
-                                      <p:tavLst>
-                                        <p:tav tm="0">
-                                          <p:val>
-                                            <p:fltVal val="0"/>
-                                          </p:val>
-                                        </p:tav>
-                                        <p:tav tm="100000">
-                                          <p:val>
-                                            <p:strVal val="#ppt_w"/>
-                                          </p:val>
-                                        </p:tav>
-                                      </p:tavLst>
-                                    </p:anim>
-                                    <p:anim calcmode="lin" valueType="num">
-                                      <p:cBhvr>
-                                        <p:cTn id="13" dur="1000" fill="hold"/>
-                                        <p:tgtEl>
-                                          <p:spTgt spid="156677"/>
-                                        </p:tgtEl>
-                                        <p:attrNameLst>
-                                          <p:attrName>ppt_h</p:attrName>
-                                        </p:attrNameLst>
-                                      </p:cBhvr>
-                                      <p:tavLst>
-                                        <p:tav tm="0">
-                                          <p:val>
-                                            <p:fltVal val="0"/>
-                                          </p:val>
-                                        </p:tav>
-                                        <p:tav tm="100000">
-                                          <p:val>
-                                            <p:strVal val="#ppt_h"/>
-                                          </p:val>
-                                        </p:tav>
-                                      </p:tavLst>
-                                    </p:anim>
-                                    <p:anim calcmode="lin" valueType="num">
-                                      <p:cBhvr>
-                                        <p:cTn id="14" dur="1000" fill="hold"/>
-                                        <p:tgtEl>
-                                          <p:spTgt spid="156677"/>
-                                        </p:tgtEl>
-                                        <p:attrNameLst>
-                                          <p:attrName>ppt_x</p:attrName>
-                                        </p:attrNameLst>
-                                      </p:cBhvr>
-                                      <p:tavLst>
-                                        <p:tav tm="0" fmla="#ppt_x+(cos(-2*pi*(1-$))*-#ppt_x-sin(-2*pi*(1-$))*(1-#ppt_y))*(1-$)">
-                                          <p:val>
-                                            <p:fltVal val="0"/>
-                                          </p:val>
-                                        </p:tav>
-                                        <p:tav tm="100000">
-                                          <p:val>
-                                            <p:fltVal val="1"/>
-                                          </p:val>
-                                        </p:tav>
-                                      </p:tavLst>
-                                    </p:anim>
-                                    <p:anim calcmode="lin" valueType="num">
-                                      <p:cBhvr>
-                                        <p:cTn id="15" dur="1000" fill="hold"/>
-                                        <p:tgtEl>
-                                          <p:spTgt spid="156677"/>
-                                        </p:tgtEl>
-                                        <p:attrNameLst>
-                                          <p:attrName>ppt_y</p:attrName>
-                                        </p:attrNameLst>
-                                      </p:cBhvr>
-                                      <p:tavLst>
-                                        <p:tav tm="0" fmla="#ppt_y+(sin(-2*pi*(1-$))*-#ppt_x+cos(-2*pi*(1-$))*(1-#ppt_y))*(1-$)">
-                                          <p:val>
-                                            <p:fltVal val="0"/>
-                                          </p:val>
-                                        </p:tav>
-                                        <p:tav tm="100000">
-                                          <p:val>
-                                            <p:fltVal val="1"/>
-                                          </p:val>
-                                        </p:tav>
-                                      </p:tavLst>
-                                    </p:anim>
-                                  </p:childTnLst>
-                                </p:cTn>
-                              </p:par>
-                            </p:childTnLst>
-                          </p:cTn>
-                        </p:par>
-                        <p:par>
-                          <p:cTn id="16" fill="hold">
-                            <p:stCondLst>
-                              <p:cond delay="1000"/>
-                            </p:stCondLst>
-                            <p:childTnLst>
-                              <p:par>
-                                <p:cTn id="17" presetID="22" presetClass="entr" presetSubtype="8" fill="hold" grpId="0" nodeType="afterEffect">
-                                  <p:stCondLst>
-                                    <p:cond delay="500"/>
-                                  </p:stCondLst>
-                                  <p:childTnLst>
-                                    <p:set>
-                                      <p:cBhvr>
-                                        <p:cTn id="18" dur="1" fill="hold">
-                                          <p:stCondLst>
-                                            <p:cond delay="0"/>
-                                          </p:stCondLst>
-                                        </p:cTn>
-                                        <p:tgtEl>
-                                          <p:spTgt spid="6"/>
-                                        </p:tgtEl>
-                                        <p:attrNameLst>
-                                          <p:attrName>style.visibility</p:attrName>
-                                        </p:attrNameLst>
-                                      </p:cBhvr>
-                                      <p:to>
-                                        <p:strVal val="visible"/>
-                                      </p:to>
-                                    </p:set>
-                                    <p:animEffect transition="in" filter="wipe(left)">
-                                      <p:cBhvr>
-                                        <p:cTn id="19" dur="500"/>
-                                        <p:tgtEl>
-                                          <p:spTgt spid="6"/>
+                                          <p:spTgt spid="3"/>
                                         </p:tgtEl>
                                       </p:cBhvr>
                                     </p:animEffect>
@@ -7647,10 +9235,747 @@
         </p:cTn>
       </p:par>
     </p:tnLst>
-    <p:bldLst>
-      <p:bldP spid="156677" grpId="0"/>
-      <p:bldP spid="6" grpId="0" animBg="1"/>
-    </p:bldLst>
+  </p:timing>
+</p:sld>
+</file>
+
+<file path=ppt/slides/slide8.xml><?xml version="1.0" encoding="utf-8"?>
+<p:sld xmlns:a="http://schemas.openxmlformats.org/drawingml/2006/main" xmlns:r="http://schemas.openxmlformats.org/officeDocument/2006/relationships" xmlns:p="http://schemas.openxmlformats.org/presentationml/2006/main" showMasterPhAnim="0">
+  <p:cSld>
+    <p:spTree>
+      <p:nvGrpSpPr>
+        <p:cNvPr id="1" name=""/>
+        <p:cNvGrpSpPr/>
+        <p:nvPr/>
+      </p:nvGrpSpPr>
+      <p:grpSpPr>
+        <a:xfrm>
+          <a:off x="0" y="0"/>
+          <a:ext cx="0" cy="0"/>
+          <a:chOff x="0" y="0"/>
+          <a:chExt cx="0" cy="0"/>
+        </a:xfrm>
+      </p:grpSpPr>
+      <p:grpSp>
+        <p:nvGrpSpPr>
+          <p:cNvPr id="3" name="Group 13"/>
+          <p:cNvGrpSpPr>
+            <a:grpSpLocks/>
+          </p:cNvGrpSpPr>
+          <p:nvPr/>
+        </p:nvGrpSpPr>
+        <p:grpSpPr bwMode="auto">
+          <a:xfrm>
+            <a:off x="1878013" y="3733800"/>
+            <a:ext cx="5413375" cy="2087563"/>
+            <a:chOff x="1878728" y="4457700"/>
+            <a:chExt cx="5564396" cy="2245115"/>
+          </a:xfrm>
+        </p:grpSpPr>
+        <p:graphicFrame>
+          <p:nvGraphicFramePr>
+            <p:cNvPr id="21508" name="Object 7"/>
+            <p:cNvGraphicFramePr>
+              <a:graphicFrameLocks noChangeAspect="1"/>
+            </p:cNvGraphicFramePr>
+            <p:nvPr>
+              <p:extLst>
+                <p:ext uri="{D42A27DB-BD31-4B8C-83A1-F6EECF244321}">
+                  <p14:modId xmlns:p14="http://schemas.microsoft.com/office/powerpoint/2010/main" val="1675363282"/>
+                </p:ext>
+              </p:extLst>
+            </p:nvPr>
+          </p:nvGraphicFramePr>
+          <p:xfrm>
+            <a:off x="2864328" y="4918674"/>
+            <a:ext cx="4578796" cy="1784141"/>
+          </p:xfrm>
+          <a:graphic>
+            <a:graphicData uri="http://schemas.openxmlformats.org/presentationml/2006/ole">
+              <mc:AlternateContent xmlns:mc="http://schemas.openxmlformats.org/markup-compatibility/2006">
+                <mc:Choice xmlns:v="urn:schemas-microsoft-com:vml" Requires="v">
+                  <p:oleObj spid="_x0000_s1035" name="Equation" r:id="rId4" imgW="1206500" imgH="469900" progId="Equation.DSMT4">
+                    <p:embed/>
+                  </p:oleObj>
+                </mc:Choice>
+                <mc:Fallback>
+                  <p:oleObj name="Equation" r:id="rId4" imgW="1206500" imgH="469900" progId="Equation.DSMT4">
+                    <p:embed/>
+                    <p:pic>
+                      <p:nvPicPr>
+                        <p:cNvPr id="0" name=""/>
+                        <p:cNvPicPr>
+                          <a:picLocks noChangeAspect="1" noChangeArrowheads="1"/>
+                        </p:cNvPicPr>
+                        <p:nvPr/>
+                      </p:nvPicPr>
+                      <p:blipFill>
+                        <a:blip r:embed="rId5"/>
+                        <a:srcRect/>
+                        <a:stretch>
+                          <a:fillRect/>
+                        </a:stretch>
+                      </p:blipFill>
+                      <p:spPr bwMode="auto">
+                        <a:xfrm>
+                          <a:off x="2864328" y="4918674"/>
+                          <a:ext cx="4578796" cy="1784141"/>
+                        </a:xfrm>
+                        <a:prstGeom prst="rect">
+                          <a:avLst/>
+                        </a:prstGeom>
+                        <a:noFill/>
+                        <a:extLst>
+                          <a:ext uri="{909E8E84-426E-40dd-AFC4-6F175D3DCCD1}">
+                            <a14:hiddenFill xmlns:a14="http://schemas.microsoft.com/office/drawing/2010/main">
+                              <a:solidFill>
+                                <a:srgbClr val="FFFFFF"/>
+                              </a:solidFill>
+                            </a14:hiddenFill>
+                          </a:ext>
+                        </a:extLst>
+                      </p:spPr>
+                    </p:pic>
+                  </p:oleObj>
+                </mc:Fallback>
+              </mc:AlternateContent>
+            </a:graphicData>
+          </a:graphic>
+        </p:graphicFrame>
+        <p:sp>
+          <p:nvSpPr>
+            <p:cNvPr id="8" name="Text Box 7"/>
+            <p:cNvSpPr txBox="1">
+              <a:spLocks noChangeArrowheads="1"/>
+            </p:cNvSpPr>
+            <p:nvPr/>
+          </p:nvSpPr>
+          <p:spPr bwMode="auto">
+            <a:xfrm>
+              <a:off x="1878728" y="4457700"/>
+              <a:ext cx="3226044" cy="827512"/>
+            </a:xfrm>
+            <a:prstGeom prst="rect">
+              <a:avLst/>
+            </a:prstGeom>
+            <a:noFill/>
+            <a:ln w="9525">
+              <a:noFill/>
+              <a:miter lim="800000"/>
+              <a:headEnd/>
+              <a:tailEnd/>
+            </a:ln>
+          </p:spPr>
+          <p:txBody>
+            <a:bodyPr>
+              <a:spAutoFit/>
+            </a:bodyPr>
+            <a:lstStyle/>
+            <a:p>
+              <a:pPr eaLnBrk="0" hangingPunct="0">
+                <a:defRPr/>
+              </a:pPr>
+              <a:r>
+                <a:rPr lang="en-US" sz="4400" dirty="0">
+                  <a:latin typeface="+mj-lt"/>
+                </a:rPr>
+                <a:t>reminder:</a:t>
+              </a:r>
+            </a:p>
+          </p:txBody>
+        </p:sp>
+      </p:grpSp>
+      <p:sp>
+        <p:nvSpPr>
+          <p:cNvPr id="10" name="Rectangle 2"/>
+          <p:cNvSpPr>
+            <a:spLocks noGrp="1" noChangeArrowheads="1"/>
+          </p:cNvSpPr>
+          <p:nvPr>
+            <p:ph type="title"/>
+          </p:nvPr>
+        </p:nvSpPr>
+        <p:spPr>
+          <a:xfrm>
+            <a:off x="1143000" y="152400"/>
+            <a:ext cx="7239000" cy="914400"/>
+          </a:xfrm>
+        </p:spPr>
+        <p:txBody>
+          <a:bodyPr/>
+          <a:lstStyle/>
+          <a:p>
+            <a:pPr eaLnBrk="1" hangingPunct="1"/>
+            <a:r>
+              <a:rPr lang="en-US" sz="4000" dirty="0" smtClean="0">
+                <a:latin typeface="Comic Sans MS" pitchFamily="66" charset="0"/>
+              </a:rPr>
+              <a:t>Closed form for </a:t>
+            </a:r>
+            <a:r>
+              <a:rPr lang="en-US" sz="4000" dirty="0" smtClean="0">
+                <a:solidFill>
+                  <a:srgbClr val="0033CC"/>
+                </a:solidFill>
+                <a:latin typeface="Comic Sans MS" pitchFamily="66" charset="0"/>
+              </a:rPr>
+              <a:t>n!</a:t>
+            </a:r>
+          </a:p>
+        </p:txBody>
+      </p:sp>
+      <p:graphicFrame>
+        <p:nvGraphicFramePr>
+          <p:cNvPr id="4" name="Object 3"/>
+          <p:cNvGraphicFramePr>
+            <a:graphicFrameLocks noChangeAspect="1"/>
+          </p:cNvGraphicFramePr>
+          <p:nvPr>
+            <p:extLst>
+              <p:ext uri="{D42A27DB-BD31-4B8C-83A1-F6EECF244321}">
+                <p14:modId xmlns:p14="http://schemas.microsoft.com/office/powerpoint/2010/main" val="435205179"/>
+              </p:ext>
+            </p:extLst>
+          </p:nvPr>
+        </p:nvGraphicFramePr>
+        <p:xfrm>
+          <a:off x="457200" y="1377950"/>
+          <a:ext cx="8088319" cy="1898650"/>
+        </p:xfrm>
+        <a:graphic>
+          <a:graphicData uri="http://schemas.openxmlformats.org/presentationml/2006/ole">
+            <mc:AlternateContent xmlns:mc="http://schemas.openxmlformats.org/markup-compatibility/2006">
+              <mc:Choice xmlns:v="urn:schemas-microsoft-com:vml" Requires="v">
+                <p:oleObj spid="_x0000_s1036" name="Equation" r:id="rId6" imgW="2273300" imgH="533400" progId="Equation.DSMT4">
+                  <p:embed/>
+                </p:oleObj>
+              </mc:Choice>
+              <mc:Fallback>
+                <p:oleObj name="Equation" r:id="rId6" imgW="2273300" imgH="533400" progId="Equation.DSMT4">
+                  <p:embed/>
+                  <p:pic>
+                    <p:nvPicPr>
+                      <p:cNvPr id="0" name=""/>
+                      <p:cNvPicPr/>
+                      <p:nvPr/>
+                    </p:nvPicPr>
+                    <p:blipFill>
+                      <a:blip r:embed="rId7"/>
+                      <a:stretch>
+                        <a:fillRect/>
+                      </a:stretch>
+                    </p:blipFill>
+                    <p:spPr>
+                      <a:xfrm>
+                        <a:off x="457200" y="1377950"/>
+                        <a:ext cx="8088319" cy="1898650"/>
+                      </a:xfrm>
+                      <a:prstGeom prst="rect">
+                        <a:avLst/>
+                      </a:prstGeom>
+                    </p:spPr>
+                  </p:pic>
+                </p:oleObj>
+              </mc:Fallback>
+            </mc:AlternateContent>
+          </a:graphicData>
+        </a:graphic>
+      </p:graphicFrame>
+    </p:spTree>
+    <p:extLst>
+      <p:ext uri="{BB962C8B-B14F-4D97-AF65-F5344CB8AC3E}">
+        <p14:creationId xmlns:p14="http://schemas.microsoft.com/office/powerpoint/2010/main" val="2945364077"/>
+      </p:ext>
+    </p:extLst>
+  </p:cSld>
+  <p:clrMapOvr>
+    <a:masterClrMapping/>
+  </p:clrMapOvr>
+  <p:transition xmlns:p14="http://schemas.microsoft.com/office/powerpoint/2010/main" spd="slow" advClick="0">
+    <p:fade/>
+  </p:transition>
+  <p:timing>
+    <p:tnLst>
+      <p:par>
+        <p:cTn xmlns:p14="http://schemas.microsoft.com/office/powerpoint/2010/main" id="1" dur="indefinite" restart="never" nodeType="tmRoot"/>
+      </p:par>
+    </p:tnLst>
+  </p:timing>
+</p:sld>
+</file>
+
+<file path=ppt/slides/slide9.xml><?xml version="1.0" encoding="utf-8"?>
+<p:sld xmlns:a="http://schemas.openxmlformats.org/drawingml/2006/main" xmlns:r="http://schemas.openxmlformats.org/officeDocument/2006/relationships" xmlns:p="http://schemas.openxmlformats.org/presentationml/2006/main" showMasterPhAnim="0" show="0">
+  <p:cSld>
+    <p:spTree>
+      <p:nvGrpSpPr>
+        <p:cNvPr id="1" name=""/>
+        <p:cNvGrpSpPr/>
+        <p:nvPr/>
+      </p:nvGrpSpPr>
+      <p:grpSpPr>
+        <a:xfrm>
+          <a:off x="0" y="0"/>
+          <a:ext cx="0" cy="0"/>
+          <a:chOff x="0" y="0"/>
+          <a:chExt cx="0" cy="0"/>
+        </a:xfrm>
+      </p:grpSpPr>
+      <p:graphicFrame>
+        <p:nvGraphicFramePr>
+          <p:cNvPr id="151556" name="Object 4"/>
+          <p:cNvGraphicFramePr>
+            <a:graphicFrameLocks noChangeAspect="1"/>
+          </p:cNvGraphicFramePr>
+          <p:nvPr/>
+        </p:nvGraphicFramePr>
+        <p:xfrm>
+          <a:off x="838200" y="1281113"/>
+          <a:ext cx="5832475" cy="3519487"/>
+        </p:xfrm>
+        <a:graphic>
+          <a:graphicData uri="http://schemas.openxmlformats.org/presentationml/2006/ole">
+            <mc:AlternateContent xmlns:mc="http://schemas.openxmlformats.org/markup-compatibility/2006">
+              <mc:Choice xmlns:v="urn:schemas-microsoft-com:vml" Requires="v">
+                <p:oleObj spid="_x0000_s157712" name="Equation" r:id="rId4" imgW="1600200" imgH="965160" progId="Equation.DSMT4">
+                  <p:embed/>
+                </p:oleObj>
+              </mc:Choice>
+              <mc:Fallback>
+                <p:oleObj name="Equation" r:id="rId4" imgW="1600200" imgH="965160" progId="Equation.DSMT4">
+                  <p:embed/>
+                  <p:pic>
+                    <p:nvPicPr>
+                      <p:cNvPr id="0" name=""/>
+                      <p:cNvPicPr>
+                        <a:picLocks noChangeAspect="1" noChangeArrowheads="1"/>
+                      </p:cNvPicPr>
+                      <p:nvPr/>
+                    </p:nvPicPr>
+                    <p:blipFill>
+                      <a:blip r:embed="rId5">
+                        <a:extLst>
+                          <a:ext uri="{28A0092B-C50C-407E-A947-70E740481C1C}">
+                            <a14:useLocalDpi xmlns:a14="http://schemas.microsoft.com/office/drawing/2010/main" val="0"/>
+                          </a:ext>
+                        </a:extLst>
+                      </a:blip>
+                      <a:srcRect/>
+                      <a:stretch>
+                        <a:fillRect/>
+                      </a:stretch>
+                    </p:blipFill>
+                    <p:spPr bwMode="auto">
+                      <a:xfrm>
+                        <a:off x="838200" y="1281113"/>
+                        <a:ext cx="5832475" cy="3519487"/>
+                      </a:xfrm>
+                      <a:prstGeom prst="rect">
+                        <a:avLst/>
+                      </a:prstGeom>
+                      <a:noFill/>
+                      <a:extLst>
+                        <a:ext uri="{909E8E84-426E-40dd-AFC4-6F175D3DCCD1}">
+                          <a14:hiddenFill xmlns:a14="http://schemas.microsoft.com/office/drawing/2010/main">
+                            <a:solidFill>
+                              <a:srgbClr val="FFFFFF"/>
+                            </a:solidFill>
+                          </a14:hiddenFill>
+                        </a:ext>
+                      </a:extLst>
+                    </p:spPr>
+                  </p:pic>
+                </p:oleObj>
+              </mc:Fallback>
+            </mc:AlternateContent>
+          </a:graphicData>
+        </a:graphic>
+      </p:graphicFrame>
+      <p:graphicFrame>
+        <p:nvGraphicFramePr>
+          <p:cNvPr id="2" name="Object 5"/>
+          <p:cNvGraphicFramePr>
+            <a:graphicFrameLocks noChangeAspect="1"/>
+          </p:cNvGraphicFramePr>
+          <p:nvPr>
+            <p:extLst>
+              <p:ext uri="{D42A27DB-BD31-4B8C-83A1-F6EECF244321}">
+                <p14:modId xmlns:p14="http://schemas.microsoft.com/office/powerpoint/2010/main" val="3627704713"/>
+              </p:ext>
+            </p:extLst>
+          </p:nvPr>
+        </p:nvGraphicFramePr>
+        <p:xfrm>
+          <a:off x="654050" y="1487488"/>
+          <a:ext cx="7727950" cy="3313112"/>
+        </p:xfrm>
+        <a:graphic>
+          <a:graphicData uri="http://schemas.openxmlformats.org/presentationml/2006/ole">
+            <mc:AlternateContent xmlns:mc="http://schemas.openxmlformats.org/markup-compatibility/2006">
+              <mc:Choice xmlns:v="urn:schemas-microsoft-com:vml" Requires="v">
+                <p:oleObj spid="_x0000_s157713" name="Equation" r:id="rId6" imgW="2070000" imgH="888840" progId="Equation.DSMT4">
+                  <p:embed/>
+                </p:oleObj>
+              </mc:Choice>
+              <mc:Fallback>
+                <p:oleObj name="Equation" r:id="rId6" imgW="2070000" imgH="888840" progId="Equation.DSMT4">
+                  <p:embed/>
+                  <p:pic>
+                    <p:nvPicPr>
+                      <p:cNvPr id="0" name=""/>
+                      <p:cNvPicPr>
+                        <a:picLocks noChangeAspect="1" noChangeArrowheads="1"/>
+                      </p:cNvPicPr>
+                      <p:nvPr/>
+                    </p:nvPicPr>
+                    <p:blipFill>
+                      <a:blip r:embed="rId7">
+                        <a:extLst>
+                          <a:ext uri="{28A0092B-C50C-407E-A947-70E740481C1C}">
+                            <a14:useLocalDpi xmlns:a14="http://schemas.microsoft.com/office/drawing/2010/main" val="0"/>
+                          </a:ext>
+                        </a:extLst>
+                      </a:blip>
+                      <a:srcRect/>
+                      <a:stretch>
+                        <a:fillRect/>
+                      </a:stretch>
+                    </p:blipFill>
+                    <p:spPr bwMode="auto">
+                      <a:xfrm>
+                        <a:off x="654050" y="1487488"/>
+                        <a:ext cx="7727950" cy="3313112"/>
+                      </a:xfrm>
+                      <a:prstGeom prst="rect">
+                        <a:avLst/>
+                      </a:prstGeom>
+                      <a:solidFill>
+                        <a:srgbClr val="CCCCFF"/>
+                      </a:solidFill>
+                    </p:spPr>
+                  </p:pic>
+                </p:oleObj>
+              </mc:Fallback>
+            </mc:AlternateContent>
+          </a:graphicData>
+        </a:graphic>
+      </p:graphicFrame>
+      <p:grpSp>
+        <p:nvGrpSpPr>
+          <p:cNvPr id="3" name="Group 13"/>
+          <p:cNvGrpSpPr>
+            <a:grpSpLocks/>
+          </p:cNvGrpSpPr>
+          <p:nvPr/>
+        </p:nvGrpSpPr>
+        <p:grpSpPr bwMode="auto">
+          <a:xfrm>
+            <a:off x="1878013" y="4686300"/>
+            <a:ext cx="5437187" cy="2019300"/>
+            <a:chOff x="1878728" y="4457700"/>
+            <a:chExt cx="5588872" cy="2171700"/>
+          </a:xfrm>
+        </p:grpSpPr>
+        <p:graphicFrame>
+          <p:nvGraphicFramePr>
+            <p:cNvPr id="21508" name="Object 7"/>
+            <p:cNvGraphicFramePr>
+              <a:graphicFrameLocks noChangeAspect="1"/>
+            </p:cNvGraphicFramePr>
+            <p:nvPr/>
+          </p:nvGraphicFramePr>
+          <p:xfrm>
+            <a:off x="2840038" y="4991100"/>
+            <a:ext cx="4627562" cy="1638300"/>
+          </p:xfrm>
+          <a:graphic>
+            <a:graphicData uri="http://schemas.openxmlformats.org/presentationml/2006/ole">
+              <mc:AlternateContent xmlns:mc="http://schemas.openxmlformats.org/markup-compatibility/2006">
+                <mc:Choice xmlns:v="urn:schemas-microsoft-com:vml" Requires="v">
+                  <p:oleObj spid="_x0000_s157714" name="Equation" r:id="rId8" imgW="1218960" imgH="431640" progId="Equation.DSMT4">
+                    <p:embed/>
+                  </p:oleObj>
+                </mc:Choice>
+                <mc:Fallback>
+                  <p:oleObj name="Equation" r:id="rId8" imgW="1218960" imgH="431640" progId="Equation.DSMT4">
+                    <p:embed/>
+                    <p:pic>
+                      <p:nvPicPr>
+                        <p:cNvPr id="0" name=""/>
+                        <p:cNvPicPr>
+                          <a:picLocks noChangeAspect="1" noChangeArrowheads="1"/>
+                        </p:cNvPicPr>
+                        <p:nvPr/>
+                      </p:nvPicPr>
+                      <p:blipFill>
+                        <a:blip r:embed="rId9">
+                          <a:extLst>
+                            <a:ext uri="{28A0092B-C50C-407E-A947-70E740481C1C}">
+                              <a14:useLocalDpi xmlns:a14="http://schemas.microsoft.com/office/drawing/2010/main" val="0"/>
+                            </a:ext>
+                          </a:extLst>
+                        </a:blip>
+                        <a:srcRect/>
+                        <a:stretch>
+                          <a:fillRect/>
+                        </a:stretch>
+                      </p:blipFill>
+                      <p:spPr bwMode="auto">
+                        <a:xfrm>
+                          <a:off x="2840038" y="4991100"/>
+                          <a:ext cx="4627562" cy="1638300"/>
+                        </a:xfrm>
+                        <a:prstGeom prst="rect">
+                          <a:avLst/>
+                        </a:prstGeom>
+                        <a:noFill/>
+                        <a:extLst>
+                          <a:ext uri="{909E8E84-426E-40dd-AFC4-6F175D3DCCD1}">
+                            <a14:hiddenFill xmlns:a14="http://schemas.microsoft.com/office/drawing/2010/main">
+                              <a:solidFill>
+                                <a:srgbClr val="FFFFFF"/>
+                              </a:solidFill>
+                            </a14:hiddenFill>
+                          </a:ext>
+                        </a:extLst>
+                      </p:spPr>
+                    </p:pic>
+                  </p:oleObj>
+                </mc:Fallback>
+              </mc:AlternateContent>
+            </a:graphicData>
+          </a:graphic>
+        </p:graphicFrame>
+        <p:sp>
+          <p:nvSpPr>
+            <p:cNvPr id="8" name="Text Box 7"/>
+            <p:cNvSpPr txBox="1">
+              <a:spLocks noChangeArrowheads="1"/>
+            </p:cNvSpPr>
+            <p:nvPr/>
+          </p:nvSpPr>
+          <p:spPr bwMode="auto">
+            <a:xfrm>
+              <a:off x="1878728" y="4457700"/>
+              <a:ext cx="3226044" cy="827512"/>
+            </a:xfrm>
+            <a:prstGeom prst="rect">
+              <a:avLst/>
+            </a:prstGeom>
+            <a:noFill/>
+            <a:ln w="9525">
+              <a:noFill/>
+              <a:miter lim="800000"/>
+              <a:headEnd/>
+              <a:tailEnd/>
+            </a:ln>
+          </p:spPr>
+          <p:txBody>
+            <a:bodyPr>
+              <a:spAutoFit/>
+            </a:bodyPr>
+            <a:lstStyle/>
+            <a:p>
+              <a:pPr eaLnBrk="0" hangingPunct="0">
+                <a:defRPr/>
+              </a:pPr>
+              <a:r>
+                <a:rPr lang="en-US" sz="4400" dirty="0">
+                  <a:latin typeface="+mj-lt"/>
+                </a:rPr>
+                <a:t>reminder:</a:t>
+              </a:r>
+            </a:p>
+          </p:txBody>
+        </p:sp>
+      </p:grpSp>
+      <p:sp>
+        <p:nvSpPr>
+          <p:cNvPr id="10" name="Rectangle 2"/>
+          <p:cNvSpPr>
+            <a:spLocks noGrp="1" noChangeArrowheads="1"/>
+          </p:cNvSpPr>
+          <p:nvPr>
+            <p:ph type="title"/>
+          </p:nvPr>
+        </p:nvSpPr>
+        <p:spPr>
+          <a:xfrm>
+            <a:off x="1143000" y="152400"/>
+            <a:ext cx="7239000" cy="914400"/>
+          </a:xfrm>
+        </p:spPr>
+        <p:txBody>
+          <a:bodyPr/>
+          <a:lstStyle/>
+          <a:p>
+            <a:pPr eaLnBrk="1" hangingPunct="1"/>
+            <a:r>
+              <a:rPr lang="en-US" sz="4000" dirty="0" smtClean="0">
+                <a:latin typeface="Comic Sans MS" pitchFamily="66" charset="0"/>
+              </a:rPr>
+              <a:t>Closed form for </a:t>
+            </a:r>
+            <a:r>
+              <a:rPr lang="en-US" sz="4000" dirty="0" smtClean="0">
+                <a:solidFill>
+                  <a:srgbClr val="0033CC"/>
+                </a:solidFill>
+                <a:latin typeface="Comic Sans MS" pitchFamily="66" charset="0"/>
+              </a:rPr>
+              <a:t>n!</a:t>
+            </a:r>
+          </a:p>
+        </p:txBody>
+      </p:sp>
+    </p:spTree>
+    <p:extLst>
+      <p:ext uri="{BB962C8B-B14F-4D97-AF65-F5344CB8AC3E}">
+        <p14:creationId xmlns:p14="http://schemas.microsoft.com/office/powerpoint/2010/main" val="1748227193"/>
+      </p:ext>
+    </p:extLst>
+  </p:cSld>
+  <p:clrMapOvr>
+    <a:masterClrMapping/>
+  </p:clrMapOvr>
+  <p:transition xmlns:p14="http://schemas.microsoft.com/office/powerpoint/2010/main" spd="slow" advClick="0">
+    <p:fade/>
+  </p:transition>
+  <p:timing>
+    <p:tnLst>
+      <p:par>
+        <p:cTn xmlns:p14="http://schemas.microsoft.com/office/powerpoint/2010/main" id="1" dur="indefinite" restart="never" nodeType="tmRoot">
+          <p:childTnLst>
+            <p:seq concurrent="1" nextAc="seek">
+              <p:cTn id="2" dur="indefinite" nodeType="mainSeq">
+                <p:childTnLst>
+                  <p:par>
+                    <p:cTn id="3" fill="hold">
+                      <p:stCondLst>
+                        <p:cond delay="indefinite"/>
+                      </p:stCondLst>
+                      <p:childTnLst>
+                        <p:par>
+                          <p:cTn id="4" fill="hold">
+                            <p:stCondLst>
+                              <p:cond delay="0"/>
+                            </p:stCondLst>
+                            <p:childTnLst>
+                              <p:par>
+                                <p:cTn id="5" presetID="22" presetClass="entr" presetSubtype="8" fill="hold" nodeType="clickEffect">
+                                  <p:stCondLst>
+                                    <p:cond delay="0"/>
+                                  </p:stCondLst>
+                                  <p:childTnLst>
+                                    <p:set>
+                                      <p:cBhvr>
+                                        <p:cTn id="6" dur="1" fill="hold">
+                                          <p:stCondLst>
+                                            <p:cond delay="0"/>
+                                          </p:stCondLst>
+                                        </p:cTn>
+                                        <p:tgtEl>
+                                          <p:spTgt spid="3"/>
+                                        </p:tgtEl>
+                                        <p:attrNameLst>
+                                          <p:attrName>style.visibility</p:attrName>
+                                        </p:attrNameLst>
+                                      </p:cBhvr>
+                                      <p:to>
+                                        <p:strVal val="visible"/>
+                                      </p:to>
+                                    </p:set>
+                                    <p:animEffect transition="in" filter="wipe(left)">
+                                      <p:cBhvr>
+                                        <p:cTn id="7" dur="1000"/>
+                                        <p:tgtEl>
+                                          <p:spTgt spid="3"/>
+                                        </p:tgtEl>
+                                      </p:cBhvr>
+                                    </p:animEffect>
+                                  </p:childTnLst>
+                                </p:cTn>
+                              </p:par>
+                            </p:childTnLst>
+                          </p:cTn>
+                        </p:par>
+                      </p:childTnLst>
+                    </p:cTn>
+                  </p:par>
+                  <p:par>
+                    <p:cTn id="8" fill="hold">
+                      <p:stCondLst>
+                        <p:cond delay="indefinite"/>
+                      </p:stCondLst>
+                      <p:childTnLst>
+                        <p:par>
+                          <p:cTn id="9" fill="hold">
+                            <p:stCondLst>
+                              <p:cond delay="0"/>
+                            </p:stCondLst>
+                            <p:childTnLst>
+                              <p:par>
+                                <p:cTn id="10" presetID="22" presetClass="entr" presetSubtype="8" fill="hold" nodeType="clickEffect">
+                                  <p:stCondLst>
+                                    <p:cond delay="0"/>
+                                  </p:stCondLst>
+                                  <p:childTnLst>
+                                    <p:set>
+                                      <p:cBhvr>
+                                        <p:cTn id="11" dur="1" fill="hold">
+                                          <p:stCondLst>
+                                            <p:cond delay="0"/>
+                                          </p:stCondLst>
+                                        </p:cTn>
+                                        <p:tgtEl>
+                                          <p:spTgt spid="2"/>
+                                        </p:tgtEl>
+                                        <p:attrNameLst>
+                                          <p:attrName>style.visibility</p:attrName>
+                                        </p:attrNameLst>
+                                      </p:cBhvr>
+                                      <p:to>
+                                        <p:strVal val="visible"/>
+                                      </p:to>
+                                    </p:set>
+                                    <p:animEffect transition="in" filter="wipe(left)">
+                                      <p:cBhvr>
+                                        <p:cTn id="12" dur="2000"/>
+                                        <p:tgtEl>
+                                          <p:spTgt spid="2"/>
+                                        </p:tgtEl>
+                                      </p:cBhvr>
+                                    </p:animEffect>
+                                  </p:childTnLst>
+                                </p:cTn>
+                              </p:par>
+                            </p:childTnLst>
+                          </p:cTn>
+                        </p:par>
+                      </p:childTnLst>
+                    </p:cTn>
+                  </p:par>
+                </p:childTnLst>
+              </p:cTn>
+              <p:prevCondLst>
+                <p:cond evt="onPrev" delay="0">
+                  <p:tgtEl>
+                    <p:sldTgt/>
+                  </p:tgtEl>
+                </p:cond>
+              </p:prevCondLst>
+              <p:nextCondLst>
+                <p:cond evt="onNext" delay="0">
+                  <p:tgtEl>
+                    <p:sldTgt/>
+                  </p:tgtEl>
+                </p:cond>
+              </p:nextCondLst>
+            </p:seq>
+          </p:childTnLst>
+        </p:cTn>
+      </p:par>
+    </p:tnLst>
   </p:timing>
 </p:sld>
 </file>
